--- a/Отчет по учебной практике.pptx
+++ b/Отчет по учебной практике.pptx
@@ -5,7 +5,7 @@
     <p:sldMasterId id="2147483756" r:id="rId1"/>
   </p:sldMasterIdLst>
   <p:handoutMasterIdLst>
-    <p:handoutMasterId r:id="rId27"/>
+    <p:handoutMasterId r:id="rId30"/>
   </p:handoutMasterIdLst>
   <p:sldIdLst>
     <p:sldId id="256" r:id="rId2"/>
@@ -13,26 +13,29 @@
     <p:sldId id="258" r:id="rId4"/>
     <p:sldId id="259" r:id="rId5"/>
     <p:sldId id="261" r:id="rId6"/>
-    <p:sldId id="260" r:id="rId7"/>
-    <p:sldId id="263" r:id="rId8"/>
-    <p:sldId id="264" r:id="rId9"/>
-    <p:sldId id="265" r:id="rId10"/>
-    <p:sldId id="266" r:id="rId11"/>
-    <p:sldId id="267" r:id="rId12"/>
-    <p:sldId id="268" r:id="rId13"/>
-    <p:sldId id="269" r:id="rId14"/>
-    <p:sldId id="270" r:id="rId15"/>
-    <p:sldId id="271" r:id="rId16"/>
-    <p:sldId id="273" r:id="rId17"/>
-    <p:sldId id="274" r:id="rId18"/>
-    <p:sldId id="278" r:id="rId19"/>
-    <p:sldId id="279" r:id="rId20"/>
-    <p:sldId id="280" r:id="rId21"/>
-    <p:sldId id="272" r:id="rId22"/>
-    <p:sldId id="275" r:id="rId23"/>
-    <p:sldId id="276" r:id="rId24"/>
-    <p:sldId id="277" r:id="rId25"/>
-    <p:sldId id="262" r:id="rId26"/>
+    <p:sldId id="283" r:id="rId7"/>
+    <p:sldId id="260" r:id="rId8"/>
+    <p:sldId id="263" r:id="rId9"/>
+    <p:sldId id="264" r:id="rId10"/>
+    <p:sldId id="265" r:id="rId11"/>
+    <p:sldId id="266" r:id="rId12"/>
+    <p:sldId id="267" r:id="rId13"/>
+    <p:sldId id="268" r:id="rId14"/>
+    <p:sldId id="269" r:id="rId15"/>
+    <p:sldId id="270" r:id="rId16"/>
+    <p:sldId id="271" r:id="rId17"/>
+    <p:sldId id="273" r:id="rId18"/>
+    <p:sldId id="280" r:id="rId19"/>
+    <p:sldId id="274" r:id="rId20"/>
+    <p:sldId id="278" r:id="rId21"/>
+    <p:sldId id="279" r:id="rId22"/>
+    <p:sldId id="272" r:id="rId23"/>
+    <p:sldId id="275" r:id="rId24"/>
+    <p:sldId id="276" r:id="rId25"/>
+    <p:sldId id="277" r:id="rId26"/>
+    <p:sldId id="281" r:id="rId27"/>
+    <p:sldId id="282" r:id="rId28"/>
+    <p:sldId id="262" r:id="rId29"/>
   </p:sldIdLst>
   <p:sldSz cx="9144000" cy="6858000" type="screen4x3"/>
   <p:notesSz cx="6858000" cy="9144000"/>
@@ -246,7 +249,7 @@
           <a:p>
             <a:fld id="{95997B8F-9A1E-437F-96CD-787AE518EEB0}" type="datetimeFigureOut">
               <a:rPr lang="ru-RU" smtClean="0"/>
-              <a:t>17.05.2023</a:t>
+              <a:t>18.05.2023</a:t>
             </a:fld>
             <a:endParaRPr lang="ru-RU"/>
           </a:p>
@@ -708,7 +711,7 @@
           <a:p>
             <a:fld id="{5250144E-2EE9-4D24-BB15-020C64D9191E}" type="datetimeFigureOut">
               <a:rPr lang="ru-RU" smtClean="0"/>
-              <a:t>17.05.2023</a:t>
+              <a:t>18.05.2023</a:t>
             </a:fld>
             <a:endParaRPr lang="ru-RU"/>
           </a:p>
@@ -873,7 +876,7 @@
           <a:p>
             <a:fld id="{5250144E-2EE9-4D24-BB15-020C64D9191E}" type="datetimeFigureOut">
               <a:rPr lang="ru-RU" smtClean="0"/>
-              <a:t>17.05.2023</a:t>
+              <a:t>18.05.2023</a:t>
             </a:fld>
             <a:endParaRPr lang="ru-RU"/>
           </a:p>
@@ -1048,7 +1051,7 @@
           <a:p>
             <a:fld id="{5250144E-2EE9-4D24-BB15-020C64D9191E}" type="datetimeFigureOut">
               <a:rPr lang="ru-RU" smtClean="0"/>
-              <a:t>17.05.2023</a:t>
+              <a:t>18.05.2023</a:t>
             </a:fld>
             <a:endParaRPr lang="ru-RU"/>
           </a:p>
@@ -1217,7 +1220,7 @@
           <a:p>
             <a:fld id="{5250144E-2EE9-4D24-BB15-020C64D9191E}" type="datetimeFigureOut">
               <a:rPr lang="ru-RU" smtClean="0"/>
-              <a:t>17.05.2023</a:t>
+              <a:t>18.05.2023</a:t>
             </a:fld>
             <a:endParaRPr lang="ru-RU"/>
           </a:p>
@@ -1672,7 +1675,7 @@
           <a:p>
             <a:fld id="{5250144E-2EE9-4D24-BB15-020C64D9191E}" type="datetimeFigureOut">
               <a:rPr lang="ru-RU" smtClean="0"/>
-              <a:t>17.05.2023</a:t>
+              <a:t>18.05.2023</a:t>
             </a:fld>
             <a:endParaRPr lang="ru-RU"/>
           </a:p>
@@ -1936,7 +1939,7 @@
           <a:p>
             <a:fld id="{5250144E-2EE9-4D24-BB15-020C64D9191E}" type="datetimeFigureOut">
               <a:rPr lang="ru-RU" smtClean="0"/>
-              <a:t>17.05.2023</a:t>
+              <a:t>18.05.2023</a:t>
             </a:fld>
             <a:endParaRPr lang="ru-RU"/>
           </a:p>
@@ -2310,7 +2313,7 @@
           <a:p>
             <a:fld id="{5250144E-2EE9-4D24-BB15-020C64D9191E}" type="datetimeFigureOut">
               <a:rPr lang="ru-RU" smtClean="0"/>
-              <a:t>17.05.2023</a:t>
+              <a:t>18.05.2023</a:t>
             </a:fld>
             <a:endParaRPr lang="ru-RU"/>
           </a:p>
@@ -2432,7 +2435,7 @@
           <a:p>
             <a:fld id="{5250144E-2EE9-4D24-BB15-020C64D9191E}" type="datetimeFigureOut">
               <a:rPr lang="ru-RU" smtClean="0"/>
-              <a:t>17.05.2023</a:t>
+              <a:t>18.05.2023</a:t>
             </a:fld>
             <a:endParaRPr lang="ru-RU"/>
           </a:p>
@@ -2522,7 +2525,7 @@
           <a:p>
             <a:fld id="{5250144E-2EE9-4D24-BB15-020C64D9191E}" type="datetimeFigureOut">
               <a:rPr lang="ru-RU" smtClean="0"/>
-              <a:t>17.05.2023</a:t>
+              <a:t>18.05.2023</a:t>
             </a:fld>
             <a:endParaRPr lang="ru-RU"/>
           </a:p>
@@ -2771,7 +2774,7 @@
           <a:p>
             <a:fld id="{5250144E-2EE9-4D24-BB15-020C64D9191E}" type="datetimeFigureOut">
               <a:rPr lang="ru-RU" smtClean="0"/>
-              <a:t>17.05.2023</a:t>
+              <a:t>18.05.2023</a:t>
             </a:fld>
             <a:endParaRPr lang="ru-RU"/>
           </a:p>
@@ -3030,7 +3033,7 @@
           <a:p>
             <a:fld id="{5250144E-2EE9-4D24-BB15-020C64D9191E}" type="datetimeFigureOut">
               <a:rPr lang="ru-RU" smtClean="0"/>
-              <a:t>17.05.2023</a:t>
+              <a:t>18.05.2023</a:t>
             </a:fld>
             <a:endParaRPr lang="ru-RU"/>
           </a:p>
@@ -3434,7 +3437,7 @@
           <a:p>
             <a:fld id="{5250144E-2EE9-4D24-BB15-020C64D9191E}" type="datetimeFigureOut">
               <a:rPr lang="ru-RU" smtClean="0"/>
-              <a:t>17.05.2023</a:t>
+              <a:t>18.05.2023</a:t>
             </a:fld>
             <a:endParaRPr lang="ru-RU"/>
           </a:p>
@@ -3970,13 +3973,8 @@
           <a:p>
             <a:r>
               <a:rPr lang="ru-RU" dirty="0" smtClean="0"/>
-              <a:t>Студент </a:t>
-            </a:r>
-            <a:r>
-              <a:rPr lang="ru-RU" dirty="0" smtClean="0"/>
-              <a:t>Катаргин Никита Андреевич</a:t>
-            </a:r>
-            <a:endParaRPr lang="ru-RU" dirty="0" smtClean="0"/>
+              <a:t>Студент Катаргин Никита Андреевич</a:t>
+            </a:r>
           </a:p>
           <a:p>
             <a:r>
@@ -4103,14 +4101,19 @@
             <p:ph idx="1"/>
           </p:nvPr>
         </p:nvSpPr>
-        <p:spPr/>
-        <p:txBody>
-          <a:bodyPr/>
-          <a:lstStyle/>
-          <a:p>
-            <a:r>
-              <a:rPr lang="ru-RU" dirty="0"/>
-              <a:t>Диаграмма потоков данных</a:t>
+        <p:spPr>
+          <a:xfrm>
+            <a:off x="457200" y="1600200"/>
+            <a:ext cx="2890664" cy="4525963"/>
+          </a:xfrm>
+        </p:spPr>
+        <p:txBody>
+          <a:bodyPr/>
+          <a:lstStyle/>
+          <a:p>
+            <a:r>
+              <a:rPr lang="ru-RU" dirty="0" smtClean="0"/>
+              <a:t>Диаграмма компонентов</a:t>
             </a:r>
             <a:endParaRPr lang="ru-RU" dirty="0"/>
           </a:p>
@@ -4118,7 +4121,7 @@
       </p:sp>
       <p:pic>
         <p:nvPicPr>
-          <p:cNvPr id="4" name="Рисунок 3"/>
+          <p:cNvPr id="6" name="Рисунок 5"/>
           <p:cNvPicPr>
             <a:picLocks noChangeAspect="1"/>
           </p:cNvPicPr>
@@ -4132,8 +4135,8 @@
         </p:blipFill>
         <p:spPr>
           <a:xfrm>
-            <a:off x="1885950" y="2348880"/>
-            <a:ext cx="4610100" cy="3514725"/>
+            <a:off x="3347864" y="1417638"/>
+            <a:ext cx="5688632" cy="5201242"/>
           </a:xfrm>
           <a:prstGeom prst="rect">
             <a:avLst/>
@@ -4173,7 +4176,7 @@
     </p:spTree>
     <p:extLst>
       <p:ext uri="{BB962C8B-B14F-4D97-AF65-F5344CB8AC3E}">
-        <p14:creationId xmlns:p14="http://schemas.microsoft.com/office/powerpoint/2010/main" val="3205194222"/>
+        <p14:creationId xmlns:p14="http://schemas.microsoft.com/office/powerpoint/2010/main" val="1876729173"/>
       </p:ext>
     </p:extLst>
   </p:cSld>
@@ -4244,15 +4247,14 @@
           <a:p>
             <a:r>
               <a:rPr lang="ru-RU" dirty="0"/>
-              <a:t>Диаграмма развертывания</a:t>
-            </a:r>
-            <a:endParaRPr lang="ru-RU" dirty="0"/>
+              <a:t>Диаграмма потоков данных</a:t>
+            </a:r>
           </a:p>
         </p:txBody>
       </p:sp>
       <p:pic>
         <p:nvPicPr>
-          <p:cNvPr id="5" name="Рисунок 4"/>
+          <p:cNvPr id="4" name="Рисунок 3"/>
           <p:cNvPicPr>
             <a:picLocks noChangeAspect="1"/>
           </p:cNvPicPr>
@@ -4266,8 +4268,8 @@
         </p:blipFill>
         <p:spPr>
           <a:xfrm>
-            <a:off x="1475656" y="2611438"/>
-            <a:ext cx="6353175" cy="3514725"/>
+            <a:off x="1885950" y="2348880"/>
+            <a:ext cx="4610100" cy="3514725"/>
           </a:xfrm>
           <a:prstGeom prst="rect">
             <a:avLst/>
@@ -4307,7 +4309,7 @@
     </p:spTree>
     <p:extLst>
       <p:ext uri="{BB962C8B-B14F-4D97-AF65-F5344CB8AC3E}">
-        <p14:creationId xmlns:p14="http://schemas.microsoft.com/office/powerpoint/2010/main" val="3972633165"/>
+        <p14:creationId xmlns:p14="http://schemas.microsoft.com/office/powerpoint/2010/main" val="3205194222"/>
       </p:ext>
     </p:extLst>
   </p:cSld>
@@ -4344,16 +4346,9 @@
             <p:ph type="title"/>
           </p:nvPr>
         </p:nvSpPr>
-        <p:spPr>
-          <a:xfrm>
-            <a:off x="457200" y="274638"/>
-            <a:ext cx="3970784" cy="1143000"/>
-          </a:xfrm>
-        </p:spPr>
-        <p:txBody>
-          <a:bodyPr>
-            <a:normAutofit fontScale="90000"/>
-          </a:bodyPr>
+        <p:spPr/>
+        <p:txBody>
+          <a:bodyPr/>
           <a:lstStyle/>
           <a:p>
             <a:r>
@@ -4378,27 +4373,21 @@
             <p:ph idx="1"/>
           </p:nvPr>
         </p:nvSpPr>
-        <p:spPr>
-          <a:xfrm>
-            <a:off x="457200" y="1600200"/>
-            <a:ext cx="4258816" cy="4525963"/>
-          </a:xfrm>
-        </p:spPr>
+        <p:spPr/>
         <p:txBody>
           <a:bodyPr/>
           <a:lstStyle/>
           <a:p>
             <a:r>
               <a:rPr lang="ru-RU" dirty="0"/>
-              <a:t>Диаграмма деятельности</a:t>
-            </a:r>
-            <a:endParaRPr lang="ru-RU" dirty="0"/>
+              <a:t>Диаграмма развертывания</a:t>
+            </a:r>
           </a:p>
         </p:txBody>
       </p:sp>
       <p:pic>
         <p:nvPicPr>
-          <p:cNvPr id="4" name="Рисунок 3"/>
+          <p:cNvPr id="5" name="Рисунок 4"/>
           <p:cNvPicPr>
             <a:picLocks noChangeAspect="1"/>
           </p:cNvPicPr>
@@ -4412,8 +4401,8 @@
         </p:blipFill>
         <p:spPr>
           <a:xfrm>
-            <a:off x="4714850" y="476672"/>
-            <a:ext cx="4311212" cy="6105667"/>
+            <a:off x="1475656" y="2611438"/>
+            <a:ext cx="6353175" cy="3514725"/>
           </a:xfrm>
           <a:prstGeom prst="rect">
             <a:avLst/>
@@ -4453,7 +4442,7 @@
     </p:spTree>
     <p:extLst>
       <p:ext uri="{BB962C8B-B14F-4D97-AF65-F5344CB8AC3E}">
-        <p14:creationId xmlns:p14="http://schemas.microsoft.com/office/powerpoint/2010/main" val="3887493362"/>
+        <p14:creationId xmlns:p14="http://schemas.microsoft.com/office/powerpoint/2010/main" val="3972633165"/>
       </p:ext>
     </p:extLst>
   </p:cSld>
@@ -4490,9 +4479,16 @@
             <p:ph type="title"/>
           </p:nvPr>
         </p:nvSpPr>
-        <p:spPr/>
-        <p:txBody>
-          <a:bodyPr/>
+        <p:spPr>
+          <a:xfrm>
+            <a:off x="457200" y="274638"/>
+            <a:ext cx="3970784" cy="1143000"/>
+          </a:xfrm>
+        </p:spPr>
+        <p:txBody>
+          <a:bodyPr>
+            <a:normAutofit fontScale="90000"/>
+          </a:bodyPr>
           <a:lstStyle/>
           <a:p>
             <a:r>
@@ -4517,16 +4513,20 @@
             <p:ph idx="1"/>
           </p:nvPr>
         </p:nvSpPr>
-        <p:spPr/>
+        <p:spPr>
+          <a:xfrm>
+            <a:off x="457200" y="1600200"/>
+            <a:ext cx="4258816" cy="4525963"/>
+          </a:xfrm>
+        </p:spPr>
         <p:txBody>
           <a:bodyPr/>
           <a:lstStyle/>
           <a:p>
             <a:r>
               <a:rPr lang="ru-RU" dirty="0"/>
-              <a:t>Диаграмма классов</a:t>
-            </a:r>
-            <a:endParaRPr lang="ru-RU" dirty="0"/>
+              <a:t>Диаграмма деятельности</a:t>
+            </a:r>
           </a:p>
         </p:txBody>
       </p:sp>
@@ -4546,8 +4546,8 @@
         </p:blipFill>
         <p:spPr>
           <a:xfrm>
-            <a:off x="1187624" y="3140968"/>
-            <a:ext cx="6884216" cy="1397124"/>
+            <a:off x="4714850" y="476672"/>
+            <a:ext cx="4311212" cy="6105667"/>
           </a:xfrm>
           <a:prstGeom prst="rect">
             <a:avLst/>
@@ -4587,7 +4587,7 @@
     </p:spTree>
     <p:extLst>
       <p:ext uri="{BB962C8B-B14F-4D97-AF65-F5344CB8AC3E}">
-        <p14:creationId xmlns:p14="http://schemas.microsoft.com/office/powerpoint/2010/main" val="3452243133"/>
+        <p14:creationId xmlns:p14="http://schemas.microsoft.com/office/powerpoint/2010/main" val="3887493362"/>
       </p:ext>
     </p:extLst>
   </p:cSld>
@@ -4630,8 +4630,12 @@
           <a:lstStyle/>
           <a:p>
             <a:r>
+              <a:rPr lang="en-US" dirty="0" smtClean="0"/>
+              <a:t>UML </a:t>
+            </a:r>
+            <a:r>
               <a:rPr lang="ru-RU" dirty="0" smtClean="0"/>
-              <a:t>Демонстрация программы</a:t>
+              <a:t>Диаграммы </a:t>
             </a:r>
             <a:endParaRPr lang="ru-RU" dirty="0"/>
           </a:p>
@@ -4647,126 +4651,15 @@
             <p:ph idx="1"/>
           </p:nvPr>
         </p:nvSpPr>
-        <p:spPr>
-          <a:xfrm>
-            <a:off x="457200" y="1417638"/>
-            <a:ext cx="7467600" cy="4525963"/>
-          </a:xfrm>
-        </p:spPr>
-        <p:txBody>
-          <a:bodyPr/>
-          <a:lstStyle/>
-          <a:p>
-            <a:r>
-              <a:rPr lang="ru-RU" dirty="0" smtClean="0"/>
-              <a:t>Окно авторизации </a:t>
-            </a:r>
-            <a:endParaRPr lang="ru-RU" dirty="0"/>
-          </a:p>
-        </p:txBody>
-      </p:sp>
-      <p:pic>
-        <p:nvPicPr>
-          <p:cNvPr id="6" name="Рисунок 5"/>
-          <p:cNvPicPr>
-            <a:picLocks noChangeAspect="1"/>
-          </p:cNvPicPr>
-          <p:nvPr/>
-        </p:nvPicPr>
-        <p:blipFill>
-          <a:blip r:embed="rId2"/>
-          <a:stretch>
-            <a:fillRect/>
-          </a:stretch>
-        </p:blipFill>
-        <p:spPr>
-          <a:xfrm>
-            <a:off x="899592" y="2132856"/>
-            <a:ext cx="7439025" cy="4324350"/>
-          </a:xfrm>
-          <a:prstGeom prst="rect">
-            <a:avLst/>
-          </a:prstGeom>
-        </p:spPr>
-      </p:pic>
-    </p:spTree>
-    <p:extLst>
-      <p:ext uri="{BB962C8B-B14F-4D97-AF65-F5344CB8AC3E}">
-        <p14:creationId xmlns:p14="http://schemas.microsoft.com/office/powerpoint/2010/main" val="1919192515"/>
-      </p:ext>
-    </p:extLst>
-  </p:cSld>
-  <p:clrMapOvr>
-    <a:masterClrMapping/>
-  </p:clrMapOvr>
-</p:sld>
-</file>
-
-<file path=ppt/slides/slide15.xml><?xml version="1.0" encoding="utf-8"?>
-<p:sld xmlns:a="http://schemas.openxmlformats.org/drawingml/2006/main" xmlns:r="http://schemas.openxmlformats.org/officeDocument/2006/relationships" xmlns:p="http://schemas.openxmlformats.org/presentationml/2006/main">
-  <p:cSld>
-    <p:spTree>
-      <p:nvGrpSpPr>
-        <p:cNvPr id="1" name=""/>
-        <p:cNvGrpSpPr/>
-        <p:nvPr/>
-      </p:nvGrpSpPr>
-      <p:grpSpPr>
-        <a:xfrm>
-          <a:off x="0" y="0"/>
-          <a:ext cx="0" cy="0"/>
-          <a:chOff x="0" y="0"/>
-          <a:chExt cx="0" cy="0"/>
-        </a:xfrm>
-      </p:grpSpPr>
-      <p:sp>
-        <p:nvSpPr>
-          <p:cNvPr id="2" name="Заголовок 1"/>
-          <p:cNvSpPr>
-            <a:spLocks noGrp="1"/>
-          </p:cNvSpPr>
-          <p:nvPr>
-            <p:ph type="title"/>
-          </p:nvPr>
-        </p:nvSpPr>
         <p:spPr/>
         <p:txBody>
           <a:bodyPr/>
           <a:lstStyle/>
           <a:p>
             <a:r>
-              <a:rPr lang="ru-RU" dirty="0" smtClean="0"/>
-              <a:t>Демонстрация программы</a:t>
-            </a:r>
-            <a:endParaRPr lang="ru-RU" dirty="0"/>
-          </a:p>
-        </p:txBody>
-      </p:sp>
-      <p:sp>
-        <p:nvSpPr>
-          <p:cNvPr id="3" name="Содержимое 2"/>
-          <p:cNvSpPr>
-            <a:spLocks noGrp="1"/>
-          </p:cNvSpPr>
-          <p:nvPr>
-            <p:ph idx="1"/>
-          </p:nvPr>
-        </p:nvSpPr>
-        <p:spPr>
-          <a:xfrm>
-            <a:off x="457200" y="1417638"/>
-            <a:ext cx="7467600" cy="4525963"/>
-          </a:xfrm>
-        </p:spPr>
-        <p:txBody>
-          <a:bodyPr/>
-          <a:lstStyle/>
-          <a:p>
-            <a:r>
-              <a:rPr lang="ru-RU" dirty="0" smtClean="0"/>
-              <a:t>Окно лаборанта</a:t>
-            </a:r>
-            <a:endParaRPr lang="ru-RU" dirty="0"/>
+              <a:rPr lang="ru-RU" dirty="0"/>
+              <a:t>Диаграмма классов</a:t>
+            </a:r>
           </a:p>
         </p:txBody>
       </p:sp>
@@ -4786,1964 +4679,8 @@
         </p:blipFill>
         <p:spPr>
           <a:xfrm>
-            <a:off x="1043608" y="1988840"/>
-            <a:ext cx="7381875" cy="4305300"/>
-          </a:xfrm>
-          <a:prstGeom prst="rect">
-            <a:avLst/>
-          </a:prstGeom>
-        </p:spPr>
-      </p:pic>
-    </p:spTree>
-    <p:extLst>
-      <p:ext uri="{BB962C8B-B14F-4D97-AF65-F5344CB8AC3E}">
-        <p14:creationId xmlns:p14="http://schemas.microsoft.com/office/powerpoint/2010/main" val="2384026457"/>
-      </p:ext>
-    </p:extLst>
-  </p:cSld>
-  <p:clrMapOvr>
-    <a:masterClrMapping/>
-  </p:clrMapOvr>
-</p:sld>
-</file>
-
-<file path=ppt/slides/slide16.xml><?xml version="1.0" encoding="utf-8"?>
-<p:sld xmlns:a="http://schemas.openxmlformats.org/drawingml/2006/main" xmlns:r="http://schemas.openxmlformats.org/officeDocument/2006/relationships" xmlns:p="http://schemas.openxmlformats.org/presentationml/2006/main">
-  <p:cSld>
-    <p:spTree>
-      <p:nvGrpSpPr>
-        <p:cNvPr id="1" name=""/>
-        <p:cNvGrpSpPr/>
-        <p:nvPr/>
-      </p:nvGrpSpPr>
-      <p:grpSpPr>
-        <a:xfrm>
-          <a:off x="0" y="0"/>
-          <a:ext cx="0" cy="0"/>
-          <a:chOff x="0" y="0"/>
-          <a:chExt cx="0" cy="0"/>
-        </a:xfrm>
-      </p:grpSpPr>
-      <p:sp>
-        <p:nvSpPr>
-          <p:cNvPr id="2" name="Заголовок 1"/>
-          <p:cNvSpPr>
-            <a:spLocks noGrp="1"/>
-          </p:cNvSpPr>
-          <p:nvPr>
-            <p:ph type="title"/>
-          </p:nvPr>
-        </p:nvSpPr>
-        <p:spPr/>
-        <p:txBody>
-          <a:bodyPr/>
-          <a:lstStyle/>
-          <a:p>
-            <a:r>
-              <a:rPr lang="ru-RU" dirty="0" smtClean="0"/>
-              <a:t>Демонстрация программы</a:t>
-            </a:r>
-            <a:endParaRPr lang="ru-RU" dirty="0"/>
-          </a:p>
-        </p:txBody>
-      </p:sp>
-      <p:sp>
-        <p:nvSpPr>
-          <p:cNvPr id="3" name="Содержимое 2"/>
-          <p:cNvSpPr>
-            <a:spLocks noGrp="1"/>
-          </p:cNvSpPr>
-          <p:nvPr>
-            <p:ph idx="1"/>
-          </p:nvPr>
-        </p:nvSpPr>
-        <p:spPr>
-          <a:xfrm>
-            <a:off x="457200" y="1417638"/>
-            <a:ext cx="7467600" cy="4525963"/>
-          </a:xfrm>
-        </p:spPr>
-        <p:txBody>
-          <a:bodyPr/>
-          <a:lstStyle/>
-          <a:p>
-            <a:r>
-              <a:rPr lang="ru-RU" dirty="0" smtClean="0"/>
-              <a:t>Окно принятия биоматериала</a:t>
-            </a:r>
-            <a:endParaRPr lang="ru-RU" dirty="0"/>
-          </a:p>
-        </p:txBody>
-      </p:sp>
-      <p:pic>
-        <p:nvPicPr>
-          <p:cNvPr id="4" name="Рисунок 3"/>
-          <p:cNvPicPr>
-            <a:picLocks noChangeAspect="1"/>
-          </p:cNvPicPr>
-          <p:nvPr/>
-        </p:nvPicPr>
-        <p:blipFill>
-          <a:blip r:embed="rId2"/>
-          <a:stretch>
-            <a:fillRect/>
-          </a:stretch>
-        </p:blipFill>
-        <p:spPr>
-          <a:xfrm>
-            <a:off x="971600" y="1988840"/>
-            <a:ext cx="7429500" cy="4333875"/>
-          </a:xfrm>
-          <a:prstGeom prst="rect">
-            <a:avLst/>
-          </a:prstGeom>
-        </p:spPr>
-      </p:pic>
-    </p:spTree>
-    <p:extLst>
-      <p:ext uri="{BB962C8B-B14F-4D97-AF65-F5344CB8AC3E}">
-        <p14:creationId xmlns:p14="http://schemas.microsoft.com/office/powerpoint/2010/main" val="739601352"/>
-      </p:ext>
-    </p:extLst>
-  </p:cSld>
-  <p:clrMapOvr>
-    <a:masterClrMapping/>
-  </p:clrMapOvr>
-</p:sld>
-</file>
-
-<file path=ppt/slides/slide17.xml><?xml version="1.0" encoding="utf-8"?>
-<p:sld xmlns:a="http://schemas.openxmlformats.org/drawingml/2006/main" xmlns:r="http://schemas.openxmlformats.org/officeDocument/2006/relationships" xmlns:p="http://schemas.openxmlformats.org/presentationml/2006/main">
-  <p:cSld>
-    <p:spTree>
-      <p:nvGrpSpPr>
-        <p:cNvPr id="1" name=""/>
-        <p:cNvGrpSpPr/>
-        <p:nvPr/>
-      </p:nvGrpSpPr>
-      <p:grpSpPr>
-        <a:xfrm>
-          <a:off x="0" y="0"/>
-          <a:ext cx="0" cy="0"/>
-          <a:chOff x="0" y="0"/>
-          <a:chExt cx="0" cy="0"/>
-        </a:xfrm>
-      </p:grpSpPr>
-      <p:sp>
-        <p:nvSpPr>
-          <p:cNvPr id="2" name="Заголовок 1"/>
-          <p:cNvSpPr>
-            <a:spLocks noGrp="1"/>
-          </p:cNvSpPr>
-          <p:nvPr>
-            <p:ph type="title"/>
-          </p:nvPr>
-        </p:nvSpPr>
-        <p:spPr/>
-        <p:txBody>
-          <a:bodyPr/>
-          <a:lstStyle/>
-          <a:p>
-            <a:r>
-              <a:rPr lang="ru-RU" dirty="0" smtClean="0"/>
-              <a:t>Демонстрация программы</a:t>
-            </a:r>
-            <a:endParaRPr lang="ru-RU" dirty="0"/>
-          </a:p>
-        </p:txBody>
-      </p:sp>
-      <p:sp>
-        <p:nvSpPr>
-          <p:cNvPr id="3" name="Содержимое 2"/>
-          <p:cNvSpPr>
-            <a:spLocks noGrp="1"/>
-          </p:cNvSpPr>
-          <p:nvPr>
-            <p:ph idx="1"/>
-          </p:nvPr>
-        </p:nvSpPr>
-        <p:spPr>
-          <a:xfrm>
-            <a:off x="457200" y="1417638"/>
-            <a:ext cx="7467600" cy="4525963"/>
-          </a:xfrm>
-        </p:spPr>
-        <p:txBody>
-          <a:bodyPr/>
-          <a:lstStyle/>
-          <a:p>
-            <a:r>
-              <a:rPr lang="ru-RU" dirty="0" smtClean="0"/>
-              <a:t>Создание штрих-кода</a:t>
-            </a:r>
-            <a:endParaRPr lang="ru-RU" dirty="0"/>
-          </a:p>
-        </p:txBody>
-      </p:sp>
-      <p:pic>
-        <p:nvPicPr>
-          <p:cNvPr id="5" name="Рисунок 4"/>
-          <p:cNvPicPr>
-            <a:picLocks noChangeAspect="1"/>
-          </p:cNvPicPr>
-          <p:nvPr/>
-        </p:nvPicPr>
-        <p:blipFill>
-          <a:blip r:embed="rId2"/>
-          <a:stretch>
-            <a:fillRect/>
-          </a:stretch>
-        </p:blipFill>
-        <p:spPr>
-          <a:xfrm>
-            <a:off x="2438400" y="2204864"/>
-            <a:ext cx="3505200" cy="3981450"/>
-          </a:xfrm>
-          <a:prstGeom prst="rect">
-            <a:avLst/>
-          </a:prstGeom>
-        </p:spPr>
-      </p:pic>
-    </p:spTree>
-    <p:extLst>
-      <p:ext uri="{BB962C8B-B14F-4D97-AF65-F5344CB8AC3E}">
-        <p14:creationId xmlns:p14="http://schemas.microsoft.com/office/powerpoint/2010/main" val="2690124550"/>
-      </p:ext>
-    </p:extLst>
-  </p:cSld>
-  <p:clrMapOvr>
-    <a:masterClrMapping/>
-  </p:clrMapOvr>
-</p:sld>
-</file>
-
-<file path=ppt/slides/slide18.xml><?xml version="1.0" encoding="utf-8"?>
-<p:sld xmlns:a="http://schemas.openxmlformats.org/drawingml/2006/main" xmlns:r="http://schemas.openxmlformats.org/officeDocument/2006/relationships" xmlns:p="http://schemas.openxmlformats.org/presentationml/2006/main">
-  <p:cSld>
-    <p:spTree>
-      <p:nvGrpSpPr>
-        <p:cNvPr id="1" name=""/>
-        <p:cNvGrpSpPr/>
-        <p:nvPr/>
-      </p:nvGrpSpPr>
-      <p:grpSpPr>
-        <a:xfrm>
-          <a:off x="0" y="0"/>
-          <a:ext cx="0" cy="0"/>
-          <a:chOff x="0" y="0"/>
-          <a:chExt cx="0" cy="0"/>
-        </a:xfrm>
-      </p:grpSpPr>
-      <p:sp>
-        <p:nvSpPr>
-          <p:cNvPr id="2" name="Заголовок 1"/>
-          <p:cNvSpPr>
-            <a:spLocks noGrp="1"/>
-          </p:cNvSpPr>
-          <p:nvPr>
-            <p:ph type="title"/>
-          </p:nvPr>
-        </p:nvSpPr>
-        <p:spPr/>
-        <p:txBody>
-          <a:bodyPr/>
-          <a:lstStyle/>
-          <a:p>
-            <a:r>
-              <a:rPr lang="ru-RU" dirty="0" smtClean="0"/>
-              <a:t>Демонстрация программы</a:t>
-            </a:r>
-            <a:endParaRPr lang="ru-RU" dirty="0"/>
-          </a:p>
-        </p:txBody>
-      </p:sp>
-      <p:sp>
-        <p:nvSpPr>
-          <p:cNvPr id="3" name="Содержимое 2"/>
-          <p:cNvSpPr>
-            <a:spLocks noGrp="1"/>
-          </p:cNvSpPr>
-          <p:nvPr>
-            <p:ph idx="1"/>
-          </p:nvPr>
-        </p:nvSpPr>
-        <p:spPr>
-          <a:xfrm>
-            <a:off x="457200" y="1417638"/>
-            <a:ext cx="7467600" cy="4525963"/>
-          </a:xfrm>
-        </p:spPr>
-        <p:txBody>
-          <a:bodyPr/>
-          <a:lstStyle/>
-          <a:p>
-            <a:r>
-              <a:rPr lang="ru-RU" dirty="0" smtClean="0"/>
-              <a:t>Создание Клиента</a:t>
-            </a:r>
-            <a:endParaRPr lang="ru-RU" dirty="0"/>
-          </a:p>
-        </p:txBody>
-      </p:sp>
-      <p:pic>
-        <p:nvPicPr>
-          <p:cNvPr id="4" name="Рисунок 3"/>
-          <p:cNvPicPr>
-            <a:picLocks noChangeAspect="1"/>
-          </p:cNvPicPr>
-          <p:nvPr/>
-        </p:nvPicPr>
-        <p:blipFill>
-          <a:blip r:embed="rId2"/>
-          <a:stretch>
-            <a:fillRect/>
-          </a:stretch>
-        </p:blipFill>
-        <p:spPr>
-          <a:xfrm>
-            <a:off x="1187624" y="2546773"/>
-            <a:ext cx="6382130" cy="3380804"/>
-          </a:xfrm>
-          <a:prstGeom prst="rect">
-            <a:avLst/>
-          </a:prstGeom>
-        </p:spPr>
-      </p:pic>
-    </p:spTree>
-    <p:extLst>
-      <p:ext uri="{BB962C8B-B14F-4D97-AF65-F5344CB8AC3E}">
-        <p14:creationId xmlns:p14="http://schemas.microsoft.com/office/powerpoint/2010/main" val="4195366444"/>
-      </p:ext>
-    </p:extLst>
-  </p:cSld>
-  <p:clrMapOvr>
-    <a:masterClrMapping/>
-  </p:clrMapOvr>
-</p:sld>
-</file>
-
-<file path=ppt/slides/slide19.xml><?xml version="1.0" encoding="utf-8"?>
-<p:sld xmlns:a="http://schemas.openxmlformats.org/drawingml/2006/main" xmlns:r="http://schemas.openxmlformats.org/officeDocument/2006/relationships" xmlns:p="http://schemas.openxmlformats.org/presentationml/2006/main">
-  <p:cSld>
-    <p:spTree>
-      <p:nvGrpSpPr>
-        <p:cNvPr id="1" name=""/>
-        <p:cNvGrpSpPr/>
-        <p:nvPr/>
-      </p:nvGrpSpPr>
-      <p:grpSpPr>
-        <a:xfrm>
-          <a:off x="0" y="0"/>
-          <a:ext cx="0" cy="0"/>
-          <a:chOff x="0" y="0"/>
-          <a:chExt cx="0" cy="0"/>
-        </a:xfrm>
-      </p:grpSpPr>
-      <p:sp>
-        <p:nvSpPr>
-          <p:cNvPr id="2" name="Заголовок 1"/>
-          <p:cNvSpPr>
-            <a:spLocks noGrp="1"/>
-          </p:cNvSpPr>
-          <p:nvPr>
-            <p:ph type="title"/>
-          </p:nvPr>
-        </p:nvSpPr>
-        <p:spPr/>
-        <p:txBody>
-          <a:bodyPr/>
-          <a:lstStyle/>
-          <a:p>
-            <a:r>
-              <a:rPr lang="ru-RU" dirty="0" smtClean="0"/>
-              <a:t>Демонстрация программы</a:t>
-            </a:r>
-            <a:endParaRPr lang="ru-RU" dirty="0"/>
-          </a:p>
-        </p:txBody>
-      </p:sp>
-      <p:sp>
-        <p:nvSpPr>
-          <p:cNvPr id="3" name="Содержимое 2"/>
-          <p:cNvSpPr>
-            <a:spLocks noGrp="1"/>
-          </p:cNvSpPr>
-          <p:nvPr>
-            <p:ph idx="1"/>
-          </p:nvPr>
-        </p:nvSpPr>
-        <p:spPr>
-          <a:xfrm>
-            <a:off x="457200" y="1417638"/>
-            <a:ext cx="7467600" cy="4525963"/>
-          </a:xfrm>
-        </p:spPr>
-        <p:txBody>
-          <a:bodyPr/>
-          <a:lstStyle/>
-          <a:p>
-            <a:r>
-              <a:rPr lang="ru-RU" dirty="0" smtClean="0"/>
-              <a:t>Создание Клиента</a:t>
-            </a:r>
-            <a:endParaRPr lang="ru-RU" dirty="0"/>
-          </a:p>
-        </p:txBody>
-      </p:sp>
-      <p:pic>
-        <p:nvPicPr>
-          <p:cNvPr id="5" name="Рисунок 4"/>
-          <p:cNvPicPr>
-            <a:picLocks noChangeAspect="1"/>
-          </p:cNvPicPr>
-          <p:nvPr/>
-        </p:nvPicPr>
-        <p:blipFill>
-          <a:blip r:embed="rId2"/>
-          <a:stretch>
-            <a:fillRect/>
-          </a:stretch>
-        </p:blipFill>
-        <p:spPr>
-          <a:xfrm>
-            <a:off x="1835696" y="2780928"/>
-            <a:ext cx="4680520" cy="2313565"/>
-          </a:xfrm>
-          <a:prstGeom prst="rect">
-            <a:avLst/>
-          </a:prstGeom>
-        </p:spPr>
-      </p:pic>
-    </p:spTree>
-    <p:extLst>
-      <p:ext uri="{BB962C8B-B14F-4D97-AF65-F5344CB8AC3E}">
-        <p14:creationId xmlns:p14="http://schemas.microsoft.com/office/powerpoint/2010/main" val="578733479"/>
-      </p:ext>
-    </p:extLst>
-  </p:cSld>
-  <p:clrMapOvr>
-    <a:masterClrMapping/>
-  </p:clrMapOvr>
-</p:sld>
-</file>
-
-<file path=ppt/slides/slide2.xml><?xml version="1.0" encoding="utf-8"?>
-<p:sld xmlns:a="http://schemas.openxmlformats.org/drawingml/2006/main" xmlns:r="http://schemas.openxmlformats.org/officeDocument/2006/relationships" xmlns:p="http://schemas.openxmlformats.org/presentationml/2006/main">
-  <p:cSld>
-    <p:spTree>
-      <p:nvGrpSpPr>
-        <p:cNvPr id="1" name=""/>
-        <p:cNvGrpSpPr/>
-        <p:nvPr/>
-      </p:nvGrpSpPr>
-      <p:grpSpPr>
-        <a:xfrm>
-          <a:off x="0" y="0"/>
-          <a:ext cx="0" cy="0"/>
-          <a:chOff x="0" y="0"/>
-          <a:chExt cx="0" cy="0"/>
-        </a:xfrm>
-      </p:grpSpPr>
-      <p:sp>
-        <p:nvSpPr>
-          <p:cNvPr id="2" name="Заголовок 1"/>
-          <p:cNvSpPr>
-            <a:spLocks noGrp="1"/>
-          </p:cNvSpPr>
-          <p:nvPr>
-            <p:ph type="title"/>
-          </p:nvPr>
-        </p:nvSpPr>
-        <p:spPr/>
-        <p:txBody>
-          <a:bodyPr/>
-          <a:lstStyle/>
-          <a:p>
-            <a:r>
-              <a:rPr lang="ru-RU" dirty="0" smtClean="0"/>
-              <a:t>База практики</a:t>
-            </a:r>
-            <a:endParaRPr lang="ru-RU" dirty="0"/>
-          </a:p>
-        </p:txBody>
-      </p:sp>
-      <p:sp>
-        <p:nvSpPr>
-          <p:cNvPr id="3" name="Содержимое 2"/>
-          <p:cNvSpPr>
-            <a:spLocks noGrp="1"/>
-          </p:cNvSpPr>
-          <p:nvPr>
-            <p:ph idx="1"/>
-          </p:nvPr>
-        </p:nvSpPr>
-        <p:spPr>
-          <a:xfrm>
-            <a:off x="457200" y="1600201"/>
-            <a:ext cx="7467600" cy="2836911"/>
-          </a:xfrm>
-        </p:spPr>
-        <p:txBody>
-          <a:bodyPr>
-            <a:normAutofit fontScale="77500" lnSpcReduction="20000"/>
-          </a:bodyPr>
-          <a:lstStyle/>
-          <a:p>
-            <a:r>
-              <a:rPr lang="ru-RU" sz="2000" dirty="0" smtClean="0"/>
-              <a:t>Название организации: КОГОПБУ СКПиСО.</a:t>
-            </a:r>
-          </a:p>
-          <a:p>
-            <a:r>
-              <a:rPr lang="ru-RU" sz="2000" dirty="0" smtClean="0"/>
-              <a:t>Контактный адрес: Рождественская ул., 69, Слободской.</a:t>
-            </a:r>
-          </a:p>
-          <a:p>
-            <a:r>
-              <a:rPr lang="ru-RU" sz="2000" dirty="0" smtClean="0"/>
-              <a:t>Номер телефона: +7 (833)624-71-54.</a:t>
-            </a:r>
-          </a:p>
-          <a:p>
-            <a:r>
-              <a:rPr lang="ru-RU" sz="2000" dirty="0" smtClean="0"/>
-              <a:t>Сфера деятельности организации</a:t>
-            </a:r>
-            <a:r>
-              <a:rPr lang="en-US" sz="2000" dirty="0" smtClean="0"/>
-              <a:t>: </a:t>
-            </a:r>
-            <a:r>
-              <a:rPr lang="ru-RU" sz="2000" dirty="0" smtClean="0"/>
-              <a:t>выполнение работ, оказание услуг в сфере образования.</a:t>
-            </a:r>
-          </a:p>
-          <a:p>
-            <a:r>
-              <a:rPr lang="ru-RU" sz="2000" dirty="0" smtClean="0"/>
-              <a:t>ФИО программиста: Выдрин Семён Тамазович, Шихов Константин Сергеевич</a:t>
-            </a:r>
-          </a:p>
-          <a:p>
-            <a:r>
-              <a:rPr lang="ru-RU" sz="2000" dirty="0" smtClean="0"/>
-              <a:t>Должностные обязанности: осуществляет руководство отделением многопрофильного колледжа, организует текущее и перспективное планирование его деятельности.</a:t>
-            </a:r>
-          </a:p>
-          <a:p>
-            <a:r>
-              <a:rPr lang="ru-RU" sz="2000" dirty="0" smtClean="0"/>
-              <a:t>Наименование используемых программ: </a:t>
-            </a:r>
-            <a:r>
-              <a:rPr lang="en-US" sz="2000" dirty="0" smtClean="0"/>
-              <a:t>SQL, Visio, Visual Studio, PowerPoint, Microsoft Word, Microsoft Excel. </a:t>
-            </a:r>
-            <a:endParaRPr lang="ru-RU" sz="2000" dirty="0" smtClean="0"/>
-          </a:p>
-        </p:txBody>
-      </p:sp>
-      <p:pic>
-        <p:nvPicPr>
-          <p:cNvPr id="1026" name="Picture 2" descr="C:\Users\Admin\Downloads\пед.png"/>
-          <p:cNvPicPr>
-            <a:picLocks noChangeAspect="1" noChangeArrowheads="1"/>
-          </p:cNvPicPr>
-          <p:nvPr/>
-        </p:nvPicPr>
-        <p:blipFill>
-          <a:blip r:embed="rId2" cstate="print"/>
-          <a:srcRect/>
-          <a:stretch>
-            <a:fillRect/>
-          </a:stretch>
-        </p:blipFill>
-        <p:spPr bwMode="auto">
-          <a:xfrm>
-            <a:off x="4355976" y="4581128"/>
-            <a:ext cx="2788404" cy="1800200"/>
-          </a:xfrm>
-          <a:prstGeom prst="rect">
-            <a:avLst/>
-          </a:prstGeom>
-          <a:noFill/>
-        </p:spPr>
-      </p:pic>
-      <p:sp>
-        <p:nvSpPr>
-          <p:cNvPr id="5" name="TextBox 4"/>
-          <p:cNvSpPr txBox="1"/>
-          <p:nvPr/>
-        </p:nvSpPr>
-        <p:spPr>
-          <a:xfrm>
-            <a:off x="2195736" y="4581128"/>
-            <a:ext cx="2016224" cy="369332"/>
-          </a:xfrm>
-          <a:prstGeom prst="rect">
-            <a:avLst/>
-          </a:prstGeom>
-          <a:noFill/>
-        </p:spPr>
-        <p:txBody>
-          <a:bodyPr wrap="square" rtlCol="0">
-            <a:spAutoFit/>
-          </a:bodyPr>
-          <a:lstStyle/>
-          <a:p>
-            <a:r>
-              <a:rPr lang="ru-RU" dirty="0" smtClean="0"/>
-              <a:t>Фото колледжа:</a:t>
-            </a:r>
-            <a:endParaRPr lang="ru-RU" dirty="0"/>
-          </a:p>
-        </p:txBody>
-      </p:sp>
-    </p:spTree>
-  </p:cSld>
-  <p:clrMapOvr>
-    <a:masterClrMapping/>
-  </p:clrMapOvr>
-</p:sld>
-</file>
-
-<file path=ppt/slides/slide20.xml><?xml version="1.0" encoding="utf-8"?>
-<p:sld xmlns:a="http://schemas.openxmlformats.org/drawingml/2006/main" xmlns:r="http://schemas.openxmlformats.org/officeDocument/2006/relationships" xmlns:p="http://schemas.openxmlformats.org/presentationml/2006/main">
-  <p:cSld>
-    <p:spTree>
-      <p:nvGrpSpPr>
-        <p:cNvPr id="1" name=""/>
-        <p:cNvGrpSpPr/>
-        <p:nvPr/>
-      </p:nvGrpSpPr>
-      <p:grpSpPr>
-        <a:xfrm>
-          <a:off x="0" y="0"/>
-          <a:ext cx="0" cy="0"/>
-          <a:chOff x="0" y="0"/>
-          <a:chExt cx="0" cy="0"/>
-        </a:xfrm>
-      </p:grpSpPr>
-      <p:sp>
-        <p:nvSpPr>
-          <p:cNvPr id="2" name="Заголовок 1"/>
-          <p:cNvSpPr>
-            <a:spLocks noGrp="1"/>
-          </p:cNvSpPr>
-          <p:nvPr>
-            <p:ph type="title"/>
-          </p:nvPr>
-        </p:nvSpPr>
-        <p:spPr/>
-        <p:txBody>
-          <a:bodyPr/>
-          <a:lstStyle/>
-          <a:p>
-            <a:r>
-              <a:rPr lang="ru-RU" dirty="0" smtClean="0"/>
-              <a:t>Демонстрация программы</a:t>
-            </a:r>
-            <a:endParaRPr lang="ru-RU" dirty="0"/>
-          </a:p>
-        </p:txBody>
-      </p:sp>
-      <p:sp>
-        <p:nvSpPr>
-          <p:cNvPr id="3" name="Содержимое 2"/>
-          <p:cNvSpPr>
-            <a:spLocks noGrp="1"/>
-          </p:cNvSpPr>
-          <p:nvPr>
-            <p:ph idx="1"/>
-          </p:nvPr>
-        </p:nvSpPr>
-        <p:spPr>
-          <a:xfrm>
-            <a:off x="457200" y="1417638"/>
-            <a:ext cx="7467600" cy="4525963"/>
-          </a:xfrm>
-        </p:spPr>
-        <p:txBody>
-          <a:bodyPr/>
-          <a:lstStyle/>
-          <a:p>
-            <a:r>
-              <a:rPr lang="ru-RU" dirty="0" smtClean="0"/>
-              <a:t>Просмотр клиентов</a:t>
-            </a:r>
-            <a:endParaRPr lang="ru-RU" dirty="0"/>
-          </a:p>
-        </p:txBody>
-      </p:sp>
-      <p:pic>
-        <p:nvPicPr>
-          <p:cNvPr id="4" name="Рисунок 3"/>
-          <p:cNvPicPr>
-            <a:picLocks noChangeAspect="1"/>
-          </p:cNvPicPr>
-          <p:nvPr/>
-        </p:nvPicPr>
-        <p:blipFill>
-          <a:blip r:embed="rId2"/>
-          <a:stretch>
-            <a:fillRect/>
-          </a:stretch>
-        </p:blipFill>
-        <p:spPr>
-          <a:xfrm>
-            <a:off x="2411760" y="2780928"/>
-            <a:ext cx="4085803" cy="2351912"/>
-          </a:xfrm>
-          <a:prstGeom prst="rect">
-            <a:avLst/>
-          </a:prstGeom>
-        </p:spPr>
-      </p:pic>
-    </p:spTree>
-    <p:extLst>
-      <p:ext uri="{BB962C8B-B14F-4D97-AF65-F5344CB8AC3E}">
-        <p14:creationId xmlns:p14="http://schemas.microsoft.com/office/powerpoint/2010/main" val="3728141284"/>
-      </p:ext>
-    </p:extLst>
-  </p:cSld>
-  <p:clrMapOvr>
-    <a:masterClrMapping/>
-  </p:clrMapOvr>
-</p:sld>
-</file>
-
-<file path=ppt/slides/slide21.xml><?xml version="1.0" encoding="utf-8"?>
-<p:sld xmlns:a="http://schemas.openxmlformats.org/drawingml/2006/main" xmlns:r="http://schemas.openxmlformats.org/officeDocument/2006/relationships" xmlns:p="http://schemas.openxmlformats.org/presentationml/2006/main">
-  <p:cSld>
-    <p:spTree>
-      <p:nvGrpSpPr>
-        <p:cNvPr id="1" name=""/>
-        <p:cNvGrpSpPr/>
-        <p:nvPr/>
-      </p:nvGrpSpPr>
-      <p:grpSpPr>
-        <a:xfrm>
-          <a:off x="0" y="0"/>
-          <a:ext cx="0" cy="0"/>
-          <a:chOff x="0" y="0"/>
-          <a:chExt cx="0" cy="0"/>
-        </a:xfrm>
-      </p:grpSpPr>
-      <p:sp>
-        <p:nvSpPr>
-          <p:cNvPr id="2" name="Заголовок 1"/>
-          <p:cNvSpPr>
-            <a:spLocks noGrp="1"/>
-          </p:cNvSpPr>
-          <p:nvPr>
-            <p:ph type="title"/>
-          </p:nvPr>
-        </p:nvSpPr>
-        <p:spPr/>
-        <p:txBody>
-          <a:bodyPr/>
-          <a:lstStyle/>
-          <a:p>
-            <a:r>
-              <a:rPr lang="ru-RU" dirty="0" smtClean="0"/>
-              <a:t>Демонстрация программы</a:t>
-            </a:r>
-            <a:endParaRPr lang="ru-RU" dirty="0"/>
-          </a:p>
-        </p:txBody>
-      </p:sp>
-      <p:sp>
-        <p:nvSpPr>
-          <p:cNvPr id="3" name="Содержимое 2"/>
-          <p:cNvSpPr>
-            <a:spLocks noGrp="1"/>
-          </p:cNvSpPr>
-          <p:nvPr>
-            <p:ph idx="1"/>
-          </p:nvPr>
-        </p:nvSpPr>
-        <p:spPr>
-          <a:xfrm>
-            <a:off x="457200" y="1417638"/>
-            <a:ext cx="7467600" cy="4525963"/>
-          </a:xfrm>
-        </p:spPr>
-        <p:txBody>
-          <a:bodyPr/>
-          <a:lstStyle/>
-          <a:p>
-            <a:r>
-              <a:rPr lang="ru-RU" dirty="0" smtClean="0"/>
-              <a:t>Реализация ограничения доступа</a:t>
-            </a:r>
-            <a:endParaRPr lang="ru-RU" dirty="0"/>
-          </a:p>
-        </p:txBody>
-      </p:sp>
-      <p:pic>
-        <p:nvPicPr>
-          <p:cNvPr id="5" name="Рисунок 4"/>
-          <p:cNvPicPr>
-            <a:picLocks noChangeAspect="1"/>
-          </p:cNvPicPr>
-          <p:nvPr/>
-        </p:nvPicPr>
-        <p:blipFill>
-          <a:blip r:embed="rId2"/>
-          <a:stretch>
-            <a:fillRect/>
-          </a:stretch>
-        </p:blipFill>
-        <p:spPr>
-          <a:xfrm>
-            <a:off x="1658615" y="2852936"/>
-            <a:ext cx="6231483" cy="2644874"/>
-          </a:xfrm>
-          <a:prstGeom prst="rect">
-            <a:avLst/>
-          </a:prstGeom>
-        </p:spPr>
-      </p:pic>
-    </p:spTree>
-    <p:extLst>
-      <p:ext uri="{BB962C8B-B14F-4D97-AF65-F5344CB8AC3E}">
-        <p14:creationId xmlns:p14="http://schemas.microsoft.com/office/powerpoint/2010/main" val="398016894"/>
-      </p:ext>
-    </p:extLst>
-  </p:cSld>
-  <p:clrMapOvr>
-    <a:masterClrMapping/>
-  </p:clrMapOvr>
-</p:sld>
-</file>
-
-<file path=ppt/slides/slide22.xml><?xml version="1.0" encoding="utf-8"?>
-<p:sld xmlns:a="http://schemas.openxmlformats.org/drawingml/2006/main" xmlns:r="http://schemas.openxmlformats.org/officeDocument/2006/relationships" xmlns:p="http://schemas.openxmlformats.org/presentationml/2006/main">
-  <p:cSld>
-    <p:spTree>
-      <p:nvGrpSpPr>
-        <p:cNvPr id="1" name=""/>
-        <p:cNvGrpSpPr/>
-        <p:nvPr/>
-      </p:nvGrpSpPr>
-      <p:grpSpPr>
-        <a:xfrm>
-          <a:off x="0" y="0"/>
-          <a:ext cx="0" cy="0"/>
-          <a:chOff x="0" y="0"/>
-          <a:chExt cx="0" cy="0"/>
-        </a:xfrm>
-      </p:grpSpPr>
-      <p:sp>
-        <p:nvSpPr>
-          <p:cNvPr id="2" name="Заголовок 1"/>
-          <p:cNvSpPr>
-            <a:spLocks noGrp="1"/>
-          </p:cNvSpPr>
-          <p:nvPr>
-            <p:ph type="title"/>
-          </p:nvPr>
-        </p:nvSpPr>
-        <p:spPr/>
-        <p:txBody>
-          <a:bodyPr/>
-          <a:lstStyle/>
-          <a:p>
-            <a:r>
-              <a:rPr lang="ru-RU" dirty="0" smtClean="0"/>
-              <a:t>Демонстрация программы</a:t>
-            </a:r>
-            <a:endParaRPr lang="ru-RU" dirty="0"/>
-          </a:p>
-        </p:txBody>
-      </p:sp>
-      <p:sp>
-        <p:nvSpPr>
-          <p:cNvPr id="3" name="Содержимое 2"/>
-          <p:cNvSpPr>
-            <a:spLocks noGrp="1"/>
-          </p:cNvSpPr>
-          <p:nvPr>
-            <p:ph idx="1"/>
-          </p:nvPr>
-        </p:nvSpPr>
-        <p:spPr>
-          <a:xfrm>
-            <a:off x="457200" y="1417638"/>
-            <a:ext cx="7467600" cy="4525963"/>
-          </a:xfrm>
-        </p:spPr>
-        <p:txBody>
-          <a:bodyPr/>
-          <a:lstStyle/>
-          <a:p>
-            <a:r>
-              <a:rPr lang="ru-RU" dirty="0" smtClean="0"/>
-              <a:t>Реализация ограничения доступа</a:t>
-            </a:r>
-            <a:endParaRPr lang="ru-RU" dirty="0"/>
-          </a:p>
-        </p:txBody>
-      </p:sp>
-      <p:pic>
-        <p:nvPicPr>
-          <p:cNvPr id="4" name="Рисунок 3"/>
-          <p:cNvPicPr>
-            <a:picLocks noChangeAspect="1"/>
-          </p:cNvPicPr>
-          <p:nvPr/>
-        </p:nvPicPr>
-        <p:blipFill>
-          <a:blip r:embed="rId2"/>
-          <a:stretch>
-            <a:fillRect/>
-          </a:stretch>
-        </p:blipFill>
-        <p:spPr>
-          <a:xfrm>
-            <a:off x="3275856" y="2586534"/>
-            <a:ext cx="2496666" cy="2797988"/>
-          </a:xfrm>
-          <a:prstGeom prst="rect">
-            <a:avLst/>
-          </a:prstGeom>
-        </p:spPr>
-      </p:pic>
-    </p:spTree>
-    <p:extLst>
-      <p:ext uri="{BB962C8B-B14F-4D97-AF65-F5344CB8AC3E}">
-        <p14:creationId xmlns:p14="http://schemas.microsoft.com/office/powerpoint/2010/main" val="1236294441"/>
-      </p:ext>
-    </p:extLst>
-  </p:cSld>
-  <p:clrMapOvr>
-    <a:masterClrMapping/>
-  </p:clrMapOvr>
-</p:sld>
-</file>
-
-<file path=ppt/slides/slide23.xml><?xml version="1.0" encoding="utf-8"?>
-<p:sld xmlns:a="http://schemas.openxmlformats.org/drawingml/2006/main" xmlns:r="http://schemas.openxmlformats.org/officeDocument/2006/relationships" xmlns:p="http://schemas.openxmlformats.org/presentationml/2006/main">
-  <p:cSld>
-    <p:spTree>
-      <p:nvGrpSpPr>
-        <p:cNvPr id="1" name=""/>
-        <p:cNvGrpSpPr/>
-        <p:nvPr/>
-      </p:nvGrpSpPr>
-      <p:grpSpPr>
-        <a:xfrm>
-          <a:off x="0" y="0"/>
-          <a:ext cx="0" cy="0"/>
-          <a:chOff x="0" y="0"/>
-          <a:chExt cx="0" cy="0"/>
-        </a:xfrm>
-      </p:grpSpPr>
-      <p:sp>
-        <p:nvSpPr>
-          <p:cNvPr id="2" name="Заголовок 1"/>
-          <p:cNvSpPr>
-            <a:spLocks noGrp="1"/>
-          </p:cNvSpPr>
-          <p:nvPr>
-            <p:ph type="title"/>
-          </p:nvPr>
-        </p:nvSpPr>
-        <p:spPr/>
-        <p:txBody>
-          <a:bodyPr/>
-          <a:lstStyle/>
-          <a:p>
-            <a:r>
-              <a:rPr lang="ru-RU" dirty="0" smtClean="0"/>
-              <a:t>Демонстрация программы</a:t>
-            </a:r>
-            <a:endParaRPr lang="ru-RU" dirty="0"/>
-          </a:p>
-        </p:txBody>
-      </p:sp>
-      <p:sp>
-        <p:nvSpPr>
-          <p:cNvPr id="3" name="Содержимое 2"/>
-          <p:cNvSpPr>
-            <a:spLocks noGrp="1"/>
-          </p:cNvSpPr>
-          <p:nvPr>
-            <p:ph idx="1"/>
-          </p:nvPr>
-        </p:nvSpPr>
-        <p:spPr>
-          <a:xfrm>
-            <a:off x="457200" y="1417638"/>
-            <a:ext cx="7467600" cy="4525963"/>
-          </a:xfrm>
-        </p:spPr>
-        <p:txBody>
-          <a:bodyPr/>
-          <a:lstStyle/>
-          <a:p>
-            <a:r>
-              <a:rPr lang="ru-RU" dirty="0" smtClean="0"/>
-              <a:t>Реализация ограничения доступа</a:t>
-            </a:r>
-            <a:endParaRPr lang="ru-RU" dirty="0"/>
-          </a:p>
-        </p:txBody>
-      </p:sp>
-      <p:pic>
-        <p:nvPicPr>
-          <p:cNvPr id="5" name="Рисунок 4"/>
-          <p:cNvPicPr>
-            <a:picLocks noChangeAspect="1"/>
-          </p:cNvPicPr>
-          <p:nvPr/>
-        </p:nvPicPr>
-        <p:blipFill>
-          <a:blip r:embed="rId2"/>
-          <a:stretch>
-            <a:fillRect/>
-          </a:stretch>
-        </p:blipFill>
-        <p:spPr>
-          <a:xfrm>
-            <a:off x="1043608" y="2780928"/>
-            <a:ext cx="7157644" cy="2630587"/>
-          </a:xfrm>
-          <a:prstGeom prst="rect">
-            <a:avLst/>
-          </a:prstGeom>
-        </p:spPr>
-      </p:pic>
-    </p:spTree>
-    <p:extLst>
-      <p:ext uri="{BB962C8B-B14F-4D97-AF65-F5344CB8AC3E}">
-        <p14:creationId xmlns:p14="http://schemas.microsoft.com/office/powerpoint/2010/main" val="3816769612"/>
-      </p:ext>
-    </p:extLst>
-  </p:cSld>
-  <p:clrMapOvr>
-    <a:masterClrMapping/>
-  </p:clrMapOvr>
-</p:sld>
-</file>
-
-<file path=ppt/slides/slide24.xml><?xml version="1.0" encoding="utf-8"?>
-<p:sld xmlns:a="http://schemas.openxmlformats.org/drawingml/2006/main" xmlns:r="http://schemas.openxmlformats.org/officeDocument/2006/relationships" xmlns:p="http://schemas.openxmlformats.org/presentationml/2006/main">
-  <p:cSld>
-    <p:spTree>
-      <p:nvGrpSpPr>
-        <p:cNvPr id="1" name=""/>
-        <p:cNvGrpSpPr/>
-        <p:nvPr/>
-      </p:nvGrpSpPr>
-      <p:grpSpPr>
-        <a:xfrm>
-          <a:off x="0" y="0"/>
-          <a:ext cx="0" cy="0"/>
-          <a:chOff x="0" y="0"/>
-          <a:chExt cx="0" cy="0"/>
-        </a:xfrm>
-      </p:grpSpPr>
-      <p:sp>
-        <p:nvSpPr>
-          <p:cNvPr id="2" name="Заголовок 1"/>
-          <p:cNvSpPr>
-            <a:spLocks noGrp="1"/>
-          </p:cNvSpPr>
-          <p:nvPr>
-            <p:ph type="title"/>
-          </p:nvPr>
-        </p:nvSpPr>
-        <p:spPr/>
-        <p:txBody>
-          <a:bodyPr/>
-          <a:lstStyle/>
-          <a:p>
-            <a:r>
-              <a:rPr lang="ru-RU" dirty="0" smtClean="0"/>
-              <a:t>Демонстрация программы</a:t>
-            </a:r>
-            <a:endParaRPr lang="ru-RU" dirty="0"/>
-          </a:p>
-        </p:txBody>
-      </p:sp>
-      <p:sp>
-        <p:nvSpPr>
-          <p:cNvPr id="3" name="Содержимое 2"/>
-          <p:cNvSpPr>
-            <a:spLocks noGrp="1"/>
-          </p:cNvSpPr>
-          <p:nvPr>
-            <p:ph idx="1"/>
-          </p:nvPr>
-        </p:nvSpPr>
-        <p:spPr>
-          <a:xfrm>
-            <a:off x="457200" y="1417638"/>
-            <a:ext cx="7467600" cy="4525963"/>
-          </a:xfrm>
-        </p:spPr>
-        <p:txBody>
-          <a:bodyPr/>
-          <a:lstStyle/>
-          <a:p>
-            <a:r>
-              <a:rPr lang="ru-RU" dirty="0" smtClean="0"/>
-              <a:t>Реализация ограничения доступа</a:t>
-            </a:r>
-            <a:endParaRPr lang="ru-RU" dirty="0"/>
-          </a:p>
-        </p:txBody>
-      </p:sp>
-      <p:pic>
-        <p:nvPicPr>
-          <p:cNvPr id="4" name="Рисунок 3"/>
-          <p:cNvPicPr>
-            <a:picLocks noChangeAspect="1"/>
-          </p:cNvPicPr>
-          <p:nvPr/>
-        </p:nvPicPr>
-        <p:blipFill>
-          <a:blip r:embed="rId2"/>
-          <a:stretch>
-            <a:fillRect/>
-          </a:stretch>
-        </p:blipFill>
-        <p:spPr>
-          <a:xfrm>
-            <a:off x="1094986" y="2852936"/>
-            <a:ext cx="6829814" cy="2702595"/>
-          </a:xfrm>
-          <a:prstGeom prst="rect">
-            <a:avLst/>
-          </a:prstGeom>
-        </p:spPr>
-      </p:pic>
-    </p:spTree>
-    <p:extLst>
-      <p:ext uri="{BB962C8B-B14F-4D97-AF65-F5344CB8AC3E}">
-        <p14:creationId xmlns:p14="http://schemas.microsoft.com/office/powerpoint/2010/main" val="1891565599"/>
-      </p:ext>
-    </p:extLst>
-  </p:cSld>
-  <p:clrMapOvr>
-    <a:masterClrMapping/>
-  </p:clrMapOvr>
-</p:sld>
-</file>
-
-<file path=ppt/slides/slide25.xml><?xml version="1.0" encoding="utf-8"?>
-<p:sld xmlns:a="http://schemas.openxmlformats.org/drawingml/2006/main" xmlns:r="http://schemas.openxmlformats.org/officeDocument/2006/relationships" xmlns:p="http://schemas.openxmlformats.org/presentationml/2006/main">
-  <p:cSld>
-    <p:spTree>
-      <p:nvGrpSpPr>
-        <p:cNvPr id="1" name=""/>
-        <p:cNvGrpSpPr/>
-        <p:nvPr/>
-      </p:nvGrpSpPr>
-      <p:grpSpPr>
-        <a:xfrm>
-          <a:off x="0" y="0"/>
-          <a:ext cx="0" cy="0"/>
-          <a:chOff x="0" y="0"/>
-          <a:chExt cx="0" cy="0"/>
-        </a:xfrm>
-      </p:grpSpPr>
-      <p:sp>
-        <p:nvSpPr>
-          <p:cNvPr id="2" name="Заголовок 1"/>
-          <p:cNvSpPr>
-            <a:spLocks noGrp="1"/>
-          </p:cNvSpPr>
-          <p:nvPr>
-            <p:ph type="title"/>
-          </p:nvPr>
-        </p:nvSpPr>
-        <p:spPr/>
-        <p:txBody>
-          <a:bodyPr/>
-          <a:lstStyle/>
-          <a:p>
-            <a:r>
-              <a:rPr lang="ru-RU" dirty="0" smtClean="0"/>
-              <a:t>Заключение</a:t>
-            </a:r>
-            <a:endParaRPr lang="ru-RU" dirty="0"/>
-          </a:p>
-        </p:txBody>
-      </p:sp>
-      <p:sp>
-        <p:nvSpPr>
-          <p:cNvPr id="3" name="Содержимое 2"/>
-          <p:cNvSpPr>
-            <a:spLocks noGrp="1"/>
-          </p:cNvSpPr>
-          <p:nvPr>
-            <p:ph idx="1"/>
-          </p:nvPr>
-        </p:nvSpPr>
-        <p:spPr/>
-        <p:txBody>
-          <a:bodyPr/>
-          <a:lstStyle/>
-          <a:p>
-            <a:endParaRPr lang="ru-RU" dirty="0"/>
-          </a:p>
-        </p:txBody>
-      </p:sp>
-    </p:spTree>
-  </p:cSld>
-  <p:clrMapOvr>
-    <a:masterClrMapping/>
-  </p:clrMapOvr>
-</p:sld>
-</file>
-
-<file path=ppt/slides/slide3.xml><?xml version="1.0" encoding="utf-8"?>
-<p:sld xmlns:a="http://schemas.openxmlformats.org/drawingml/2006/main" xmlns:r="http://schemas.openxmlformats.org/officeDocument/2006/relationships" xmlns:p="http://schemas.openxmlformats.org/presentationml/2006/main">
-  <p:cSld>
-    <p:spTree>
-      <p:nvGrpSpPr>
-        <p:cNvPr id="1" name=""/>
-        <p:cNvGrpSpPr/>
-        <p:nvPr/>
-      </p:nvGrpSpPr>
-      <p:grpSpPr>
-        <a:xfrm>
-          <a:off x="0" y="0"/>
-          <a:ext cx="0" cy="0"/>
-          <a:chOff x="0" y="0"/>
-          <a:chExt cx="0" cy="0"/>
-        </a:xfrm>
-      </p:grpSpPr>
-      <p:sp>
-        <p:nvSpPr>
-          <p:cNvPr id="2" name="Заголовок 1"/>
-          <p:cNvSpPr>
-            <a:spLocks noGrp="1"/>
-          </p:cNvSpPr>
-          <p:nvPr>
-            <p:ph type="title"/>
-          </p:nvPr>
-        </p:nvSpPr>
-        <p:spPr/>
-        <p:txBody>
-          <a:bodyPr/>
-          <a:lstStyle/>
-          <a:p>
-            <a:r>
-              <a:rPr lang="ru-RU" dirty="0" smtClean="0"/>
-              <a:t>План практики</a:t>
-            </a:r>
-            <a:endParaRPr lang="ru-RU" dirty="0"/>
-          </a:p>
-        </p:txBody>
-      </p:sp>
-      <p:pic>
-        <p:nvPicPr>
-          <p:cNvPr id="2050" name="Picture 2"/>
-          <p:cNvPicPr>
-            <a:picLocks noChangeAspect="1" noChangeArrowheads="1"/>
-          </p:cNvPicPr>
-          <p:nvPr/>
-        </p:nvPicPr>
-        <p:blipFill>
-          <a:blip r:embed="rId2" cstate="print"/>
-          <a:srcRect/>
-          <a:stretch>
-            <a:fillRect/>
-          </a:stretch>
-        </p:blipFill>
-        <p:spPr bwMode="auto">
-          <a:xfrm>
-            <a:off x="323528" y="1340769"/>
-            <a:ext cx="3961077" cy="2664296"/>
-          </a:xfrm>
-          <a:prstGeom prst="rect">
-            <a:avLst/>
-          </a:prstGeom>
-          <a:noFill/>
-          <a:ln w="9525">
-            <a:noFill/>
-            <a:miter lim="800000"/>
-            <a:headEnd/>
-            <a:tailEnd/>
-          </a:ln>
-        </p:spPr>
-      </p:pic>
-      <p:pic>
-        <p:nvPicPr>
-          <p:cNvPr id="2051" name="Picture 3"/>
-          <p:cNvPicPr>
-            <a:picLocks noChangeAspect="1" noChangeArrowheads="1"/>
-          </p:cNvPicPr>
-          <p:nvPr/>
-        </p:nvPicPr>
-        <p:blipFill>
-          <a:blip r:embed="rId3" cstate="print"/>
-          <a:srcRect/>
-          <a:stretch>
-            <a:fillRect/>
-          </a:stretch>
-        </p:blipFill>
-        <p:spPr bwMode="auto">
-          <a:xfrm>
-            <a:off x="4572000" y="3573016"/>
-            <a:ext cx="3744416" cy="3102942"/>
-          </a:xfrm>
-          <a:prstGeom prst="rect">
-            <a:avLst/>
-          </a:prstGeom>
-          <a:noFill/>
-          <a:ln w="9525">
-            <a:noFill/>
-            <a:miter lim="800000"/>
-            <a:headEnd/>
-            <a:tailEnd/>
-          </a:ln>
-        </p:spPr>
-      </p:pic>
-    </p:spTree>
-  </p:cSld>
-  <p:clrMapOvr>
-    <a:masterClrMapping/>
-  </p:clrMapOvr>
-</p:sld>
-</file>
-
-<file path=ppt/slides/slide4.xml><?xml version="1.0" encoding="utf-8"?>
-<p:sld xmlns:a="http://schemas.openxmlformats.org/drawingml/2006/main" xmlns:r="http://schemas.openxmlformats.org/officeDocument/2006/relationships" xmlns:p="http://schemas.openxmlformats.org/presentationml/2006/main">
-  <p:cSld>
-    <p:spTree>
-      <p:nvGrpSpPr>
-        <p:cNvPr id="1" name=""/>
-        <p:cNvGrpSpPr/>
-        <p:nvPr/>
-      </p:nvGrpSpPr>
-      <p:grpSpPr>
-        <a:xfrm>
-          <a:off x="0" y="0"/>
-          <a:ext cx="0" cy="0"/>
-          <a:chOff x="0" y="0"/>
-          <a:chExt cx="0" cy="0"/>
-        </a:xfrm>
-      </p:grpSpPr>
-      <p:sp>
-        <p:nvSpPr>
-          <p:cNvPr id="2" name="Заголовок 1"/>
-          <p:cNvSpPr>
-            <a:spLocks noGrp="1"/>
-          </p:cNvSpPr>
-          <p:nvPr>
-            <p:ph type="title"/>
-          </p:nvPr>
-        </p:nvSpPr>
-        <p:spPr/>
-        <p:txBody>
-          <a:bodyPr/>
-          <a:lstStyle/>
-          <a:p>
-            <a:r>
-              <a:rPr lang="ru-RU" dirty="0" smtClean="0"/>
-              <a:t>Рабочее место</a:t>
-            </a:r>
-            <a:endParaRPr lang="ru-RU" dirty="0"/>
-          </a:p>
-        </p:txBody>
-      </p:sp>
-      <p:sp>
-        <p:nvSpPr>
-          <p:cNvPr id="5" name="TextBox 4"/>
-          <p:cNvSpPr txBox="1"/>
-          <p:nvPr/>
-        </p:nvSpPr>
-        <p:spPr>
-          <a:xfrm>
-            <a:off x="467544" y="4509120"/>
-            <a:ext cx="2664296" cy="369332"/>
-          </a:xfrm>
-          <a:prstGeom prst="rect">
-            <a:avLst/>
-          </a:prstGeom>
-          <a:noFill/>
-        </p:spPr>
-        <p:txBody>
-          <a:bodyPr wrap="square" rtlCol="0">
-            <a:spAutoFit/>
-          </a:bodyPr>
-          <a:lstStyle/>
-          <a:p>
-            <a:r>
-              <a:rPr lang="ru-RU" dirty="0" smtClean="0"/>
-              <a:t>Фото рабочего места</a:t>
-            </a:r>
-            <a:endParaRPr lang="ru-RU" dirty="0"/>
-          </a:p>
-        </p:txBody>
-      </p:sp>
-      <p:sp>
-        <p:nvSpPr>
-          <p:cNvPr id="6" name="TextBox 5"/>
-          <p:cNvSpPr txBox="1"/>
-          <p:nvPr/>
-        </p:nvSpPr>
-        <p:spPr>
-          <a:xfrm>
-            <a:off x="4860032" y="1340768"/>
-            <a:ext cx="3096344" cy="646331"/>
-          </a:xfrm>
-          <a:prstGeom prst="rect">
-            <a:avLst/>
-          </a:prstGeom>
-          <a:noFill/>
-        </p:spPr>
-        <p:txBody>
-          <a:bodyPr wrap="square" rtlCol="0">
-            <a:spAutoFit/>
-          </a:bodyPr>
-          <a:lstStyle/>
-          <a:p>
-            <a:r>
-              <a:rPr lang="ru-RU" dirty="0" smtClean="0"/>
-              <a:t>Характеристики компьютера:</a:t>
-            </a:r>
-          </a:p>
-        </p:txBody>
-      </p:sp>
-      <p:sp>
-        <p:nvSpPr>
-          <p:cNvPr id="7" name="TextBox 6"/>
-          <p:cNvSpPr txBox="1"/>
-          <p:nvPr/>
-        </p:nvSpPr>
-        <p:spPr>
-          <a:xfrm>
-            <a:off x="4860032" y="1988840"/>
-            <a:ext cx="3672408" cy="1477328"/>
-          </a:xfrm>
-          <a:prstGeom prst="rect">
-            <a:avLst/>
-          </a:prstGeom>
-          <a:noFill/>
-        </p:spPr>
-        <p:txBody>
-          <a:bodyPr wrap="square" rtlCol="0">
-            <a:spAutoFit/>
-          </a:bodyPr>
-          <a:lstStyle/>
-          <a:p>
-            <a:pPr>
-              <a:buFont typeface="Arial" pitchFamily="34" charset="0"/>
-              <a:buChar char="•"/>
-            </a:pPr>
-            <a:r>
-              <a:rPr lang="ru-RU" dirty="0" smtClean="0"/>
-              <a:t>Процессор: </a:t>
-            </a:r>
-            <a:r>
-              <a:rPr lang="en-US" dirty="0" err="1" smtClean="0"/>
-              <a:t>i</a:t>
-            </a:r>
-            <a:r>
-              <a:rPr lang="ru-RU" dirty="0" smtClean="0"/>
-              <a:t>5</a:t>
-            </a:r>
-            <a:r>
-              <a:rPr lang="en-US" dirty="0" smtClean="0"/>
-              <a:t>-</a:t>
-            </a:r>
-            <a:r>
-              <a:rPr lang="ru-RU" dirty="0" smtClean="0"/>
-              <a:t>104</a:t>
-            </a:r>
-            <a:r>
-              <a:rPr lang="en-US" dirty="0" smtClean="0"/>
-              <a:t>00</a:t>
-            </a:r>
-            <a:endParaRPr lang="ru-RU" dirty="0" smtClean="0"/>
-          </a:p>
-          <a:p>
-            <a:pPr>
-              <a:buFont typeface="Arial" pitchFamily="34" charset="0"/>
-              <a:buChar char="•"/>
-            </a:pPr>
-            <a:r>
-              <a:rPr lang="ru-RU" dirty="0" smtClean="0"/>
-              <a:t>Видеокарта: </a:t>
-            </a:r>
-            <a:r>
-              <a:rPr lang="en-US" dirty="0" smtClean="0"/>
-              <a:t>RTX 3050</a:t>
-            </a:r>
-            <a:endParaRPr lang="ru-RU" dirty="0" smtClean="0"/>
-          </a:p>
-          <a:p>
-            <a:pPr>
-              <a:buFont typeface="Arial" pitchFamily="34" charset="0"/>
-              <a:buChar char="•"/>
-            </a:pPr>
-            <a:r>
-              <a:rPr lang="ru-RU" dirty="0" smtClean="0"/>
-              <a:t>ОЗУ:</a:t>
-            </a:r>
-            <a:r>
-              <a:rPr lang="en-US" dirty="0" smtClean="0"/>
-              <a:t> </a:t>
-            </a:r>
-            <a:r>
-              <a:rPr lang="en-US" dirty="0" smtClean="0"/>
-              <a:t>16Gb</a:t>
-            </a:r>
-            <a:endParaRPr lang="ru-RU" dirty="0" smtClean="0"/>
-          </a:p>
-          <a:p>
-            <a:pPr>
-              <a:buFont typeface="Arial" pitchFamily="34" charset="0"/>
-              <a:buChar char="•"/>
-            </a:pPr>
-            <a:r>
-              <a:rPr lang="ru-RU" dirty="0" smtClean="0"/>
-              <a:t>Память:</a:t>
-            </a:r>
-            <a:r>
-              <a:rPr lang="en-US" dirty="0" smtClean="0"/>
-              <a:t> </a:t>
-            </a:r>
-            <a:r>
-              <a:rPr lang="en-US" dirty="0" smtClean="0"/>
-              <a:t>3TB</a:t>
-            </a:r>
-            <a:endParaRPr lang="en-US" dirty="0" smtClean="0"/>
-          </a:p>
-          <a:p>
-            <a:pPr>
-              <a:buFont typeface="Arial" pitchFamily="34" charset="0"/>
-              <a:buChar char="•"/>
-            </a:pPr>
-            <a:r>
-              <a:rPr lang="ru-RU" dirty="0" smtClean="0"/>
-              <a:t>Установлена </a:t>
-            </a:r>
-            <a:r>
-              <a:rPr lang="en-US" dirty="0" smtClean="0"/>
-              <a:t>Windows </a:t>
-            </a:r>
-            <a:r>
-              <a:rPr lang="en-US" dirty="0" smtClean="0"/>
-              <a:t>11</a:t>
-            </a:r>
-            <a:endParaRPr lang="ru-RU" dirty="0" smtClean="0"/>
-          </a:p>
-        </p:txBody>
-      </p:sp>
-      <p:sp>
-        <p:nvSpPr>
-          <p:cNvPr id="8" name="TextBox 7"/>
-          <p:cNvSpPr txBox="1"/>
-          <p:nvPr/>
-        </p:nvSpPr>
-        <p:spPr>
-          <a:xfrm>
-            <a:off x="4932040" y="3717032"/>
-            <a:ext cx="2448272" cy="369332"/>
-          </a:xfrm>
-          <a:prstGeom prst="rect">
-            <a:avLst/>
-          </a:prstGeom>
-          <a:noFill/>
-        </p:spPr>
-        <p:txBody>
-          <a:bodyPr wrap="square" rtlCol="0">
-            <a:spAutoFit/>
-          </a:bodyPr>
-          <a:lstStyle/>
-          <a:p>
-            <a:r>
-              <a:rPr lang="ru-RU" dirty="0" smtClean="0"/>
-              <a:t>Переферия:</a:t>
-            </a:r>
-            <a:endParaRPr lang="ru-RU" dirty="0"/>
-          </a:p>
-        </p:txBody>
-      </p:sp>
-      <p:sp>
-        <p:nvSpPr>
-          <p:cNvPr id="9" name="TextBox 8"/>
-          <p:cNvSpPr txBox="1"/>
-          <p:nvPr/>
-        </p:nvSpPr>
-        <p:spPr>
-          <a:xfrm>
-            <a:off x="4860032" y="4149080"/>
-            <a:ext cx="3096344" cy="923330"/>
-          </a:xfrm>
-          <a:prstGeom prst="rect">
-            <a:avLst/>
-          </a:prstGeom>
-          <a:noFill/>
-        </p:spPr>
-        <p:txBody>
-          <a:bodyPr wrap="square" rtlCol="0">
-            <a:spAutoFit/>
-          </a:bodyPr>
-          <a:lstStyle/>
-          <a:p>
-            <a:pPr>
-              <a:buFont typeface="Arial" pitchFamily="34" charset="0"/>
-              <a:buChar char="•"/>
-            </a:pPr>
-            <a:r>
-              <a:rPr lang="ru-RU" dirty="0" smtClean="0"/>
-              <a:t>Монитор: </a:t>
-            </a:r>
-            <a:r>
-              <a:rPr lang="en-US" dirty="0" smtClean="0"/>
-              <a:t>BENQ</a:t>
-            </a:r>
-            <a:endParaRPr lang="ru-RU" dirty="0" smtClean="0"/>
-          </a:p>
-          <a:p>
-            <a:pPr>
-              <a:buFont typeface="Arial" pitchFamily="34" charset="0"/>
-              <a:buChar char="•"/>
-            </a:pPr>
-            <a:r>
-              <a:rPr lang="ru-RU" dirty="0" smtClean="0"/>
-              <a:t>Мышь:</a:t>
-            </a:r>
-            <a:r>
-              <a:rPr lang="en-US" dirty="0" smtClean="0"/>
-              <a:t> Logitech</a:t>
-            </a:r>
-            <a:endParaRPr lang="ru-RU" dirty="0" smtClean="0"/>
-          </a:p>
-          <a:p>
-            <a:pPr>
-              <a:buFont typeface="Arial" pitchFamily="34" charset="0"/>
-              <a:buChar char="•"/>
-            </a:pPr>
-            <a:r>
-              <a:rPr lang="ru-RU" dirty="0" smtClean="0"/>
-              <a:t>Клавиатура:</a:t>
-            </a:r>
-            <a:r>
-              <a:rPr lang="en-US" dirty="0" smtClean="0"/>
-              <a:t> </a:t>
-            </a:r>
-            <a:r>
-              <a:rPr lang="en-US" dirty="0" smtClean="0"/>
-              <a:t>Genius</a:t>
-            </a:r>
-            <a:endParaRPr lang="ru-RU" dirty="0"/>
-          </a:p>
-        </p:txBody>
-      </p:sp>
-      <p:pic>
-        <p:nvPicPr>
-          <p:cNvPr id="3" name="Рисунок 2"/>
-          <p:cNvPicPr>
-            <a:picLocks noChangeAspect="1"/>
-          </p:cNvPicPr>
-          <p:nvPr/>
-        </p:nvPicPr>
-        <p:blipFill rotWithShape="1">
-          <a:blip r:embed="rId2" cstate="print">
-            <a:extLst>
-              <a:ext uri="{28A0092B-C50C-407E-A947-70E740481C1C}">
-                <a14:useLocalDpi xmlns:a14="http://schemas.microsoft.com/office/drawing/2010/main" val="0"/>
-              </a:ext>
-            </a:extLst>
-          </a:blip>
-          <a:srcRect t="19021"/>
-          <a:stretch/>
-        </p:blipFill>
-        <p:spPr>
-          <a:xfrm>
-            <a:off x="425624" y="1417638"/>
-            <a:ext cx="3064773" cy="3033990"/>
-          </a:xfrm>
-          <a:prstGeom prst="rect">
-            <a:avLst/>
-          </a:prstGeom>
-        </p:spPr>
-      </p:pic>
-    </p:spTree>
-  </p:cSld>
-  <p:clrMapOvr>
-    <a:masterClrMapping/>
-  </p:clrMapOvr>
-</p:sld>
-</file>
-
-<file path=ppt/slides/slide5.xml><?xml version="1.0" encoding="utf-8"?>
-<p:sld xmlns:a="http://schemas.openxmlformats.org/drawingml/2006/main" xmlns:r="http://schemas.openxmlformats.org/officeDocument/2006/relationships" xmlns:p="http://schemas.openxmlformats.org/presentationml/2006/main">
-  <p:cSld>
-    <p:spTree>
-      <p:nvGrpSpPr>
-        <p:cNvPr id="1" name=""/>
-        <p:cNvGrpSpPr/>
-        <p:nvPr/>
-      </p:nvGrpSpPr>
-      <p:grpSpPr>
-        <a:xfrm>
-          <a:off x="0" y="0"/>
-          <a:ext cx="0" cy="0"/>
-          <a:chOff x="0" y="0"/>
-          <a:chExt cx="0" cy="0"/>
-        </a:xfrm>
-      </p:grpSpPr>
-      <p:sp>
-        <p:nvSpPr>
-          <p:cNvPr id="2" name="Заголовок 1"/>
-          <p:cNvSpPr>
-            <a:spLocks noGrp="1"/>
-          </p:cNvSpPr>
-          <p:nvPr>
-            <p:ph type="title"/>
-          </p:nvPr>
-        </p:nvSpPr>
-        <p:spPr/>
-        <p:txBody>
-          <a:bodyPr/>
-          <a:lstStyle/>
-          <a:p>
-            <a:r>
-              <a:rPr lang="ru-RU" dirty="0" smtClean="0"/>
-              <a:t>Риски практики</a:t>
-            </a:r>
-            <a:endParaRPr lang="ru-RU" dirty="0"/>
-          </a:p>
-        </p:txBody>
-      </p:sp>
-      <p:sp>
-        <p:nvSpPr>
-          <p:cNvPr id="3" name="Содержимое 2"/>
-          <p:cNvSpPr>
-            <a:spLocks noGrp="1"/>
-          </p:cNvSpPr>
-          <p:nvPr>
-            <p:ph idx="1"/>
-          </p:nvPr>
-        </p:nvSpPr>
-        <p:spPr>
-          <a:xfrm>
-            <a:off x="467544" y="2564904"/>
-            <a:ext cx="6480720" cy="3528392"/>
-          </a:xfrm>
-        </p:spPr>
-        <p:txBody>
-          <a:bodyPr>
-            <a:normAutofit lnSpcReduction="10000"/>
-          </a:bodyPr>
-          <a:lstStyle/>
-          <a:p>
-            <a:pPr algn="just"/>
-            <a:r>
-              <a:rPr lang="ru-RU" dirty="0" smtClean="0"/>
-              <a:t>Во время прохождения практики в КОГОПБУ СКПиСО возникли риски при работе с приложением </a:t>
-            </a:r>
-            <a:r>
-              <a:rPr lang="en-US" dirty="0" smtClean="0"/>
-              <a:t>“Visual Studio”</a:t>
-            </a:r>
-            <a:r>
-              <a:rPr lang="ru-RU" dirty="0" smtClean="0"/>
-              <a:t>. Не </a:t>
-            </a:r>
-            <a:r>
-              <a:rPr lang="ru-RU" dirty="0" smtClean="0"/>
-              <a:t>было</a:t>
-            </a:r>
-            <a:r>
-              <a:rPr lang="en-US" dirty="0" smtClean="0"/>
-              <a:t> </a:t>
-            </a:r>
-            <a:r>
-              <a:rPr lang="ru-RU" dirty="0" smtClean="0"/>
-              <a:t>необходимых библиотек, </a:t>
-            </a:r>
-            <a:r>
-              <a:rPr lang="ru-RU" dirty="0" smtClean="0"/>
-              <a:t>и мне пришлось </a:t>
-            </a:r>
-            <a:r>
-              <a:rPr lang="ru-RU" dirty="0" smtClean="0"/>
-              <a:t>устанавливать </a:t>
-            </a:r>
-            <a:r>
-              <a:rPr lang="ru-RU" dirty="0" smtClean="0"/>
-              <a:t>их для </a:t>
-            </a:r>
-            <a:r>
-              <a:rPr lang="ru-RU" dirty="0" smtClean="0"/>
-              <a:t>продолжения </a:t>
-            </a:r>
-            <a:r>
-              <a:rPr lang="ru-RU" dirty="0" smtClean="0"/>
-              <a:t>работы в данной программы. </a:t>
-            </a:r>
-          </a:p>
-        </p:txBody>
-      </p:sp>
-      <p:pic>
-        <p:nvPicPr>
-          <p:cNvPr id="4098" name="Picture 2"/>
-          <p:cNvPicPr>
-            <a:picLocks noChangeAspect="1" noChangeArrowheads="1"/>
-          </p:cNvPicPr>
-          <p:nvPr/>
-        </p:nvPicPr>
-        <p:blipFill>
-          <a:blip r:embed="rId2" cstate="print"/>
-          <a:srcRect/>
-          <a:stretch>
-            <a:fillRect/>
-          </a:stretch>
-        </p:blipFill>
-        <p:spPr bwMode="auto">
-          <a:xfrm>
-            <a:off x="971600" y="1484784"/>
-            <a:ext cx="2257425" cy="809625"/>
-          </a:xfrm>
-          <a:prstGeom prst="rect">
-            <a:avLst/>
-          </a:prstGeom>
-          <a:noFill/>
-          <a:ln w="9525">
-            <a:noFill/>
-            <a:miter lim="800000"/>
-            <a:headEnd/>
-            <a:tailEnd/>
-          </a:ln>
-        </p:spPr>
-      </p:pic>
-      <p:pic>
-        <p:nvPicPr>
-          <p:cNvPr id="4099" name="Picture 3"/>
-          <p:cNvPicPr>
-            <a:picLocks noChangeAspect="1" noChangeArrowheads="1"/>
-          </p:cNvPicPr>
-          <p:nvPr/>
-        </p:nvPicPr>
-        <p:blipFill>
-          <a:blip r:embed="rId3" cstate="print"/>
-          <a:srcRect/>
-          <a:stretch>
-            <a:fillRect/>
-          </a:stretch>
-        </p:blipFill>
-        <p:spPr bwMode="auto">
-          <a:xfrm>
-            <a:off x="3635897" y="1484784"/>
-            <a:ext cx="1412826" cy="864096"/>
-          </a:xfrm>
-          <a:prstGeom prst="rect">
-            <a:avLst/>
-          </a:prstGeom>
-          <a:noFill/>
-          <a:ln w="9525">
-            <a:noFill/>
-            <a:miter lim="800000"/>
-            <a:headEnd/>
-            <a:tailEnd/>
-          </a:ln>
-        </p:spPr>
-      </p:pic>
-    </p:spTree>
-  </p:cSld>
-  <p:clrMapOvr>
-    <a:masterClrMapping/>
-  </p:clrMapOvr>
-</p:sld>
-</file>
-
-<file path=ppt/slides/slide6.xml><?xml version="1.0" encoding="utf-8"?>
-<p:sld xmlns:a="http://schemas.openxmlformats.org/drawingml/2006/main" xmlns:r="http://schemas.openxmlformats.org/officeDocument/2006/relationships" xmlns:p="http://schemas.openxmlformats.org/presentationml/2006/main">
-  <p:cSld>
-    <p:spTree>
-      <p:nvGrpSpPr>
-        <p:cNvPr id="1" name=""/>
-        <p:cNvGrpSpPr/>
-        <p:nvPr/>
-      </p:nvGrpSpPr>
-      <p:grpSpPr>
-        <a:xfrm>
-          <a:off x="0" y="0"/>
-          <a:ext cx="0" cy="0"/>
-          <a:chOff x="0" y="0"/>
-          <a:chExt cx="0" cy="0"/>
-        </a:xfrm>
-      </p:grpSpPr>
-      <p:sp>
-        <p:nvSpPr>
-          <p:cNvPr id="2" name="Заголовок 1"/>
-          <p:cNvSpPr>
-            <a:spLocks noGrp="1"/>
-          </p:cNvSpPr>
-          <p:nvPr>
-            <p:ph type="title"/>
-          </p:nvPr>
-        </p:nvSpPr>
-        <p:spPr/>
-        <p:txBody>
-          <a:bodyPr/>
-          <a:lstStyle/>
-          <a:p>
-            <a:r>
-              <a:rPr lang="en-US" dirty="0" smtClean="0"/>
-              <a:t>UML </a:t>
-            </a:r>
-            <a:r>
-              <a:rPr lang="ru-RU" dirty="0" smtClean="0"/>
-              <a:t>Диаграммы </a:t>
-            </a:r>
-            <a:endParaRPr lang="ru-RU" dirty="0"/>
-          </a:p>
-        </p:txBody>
-      </p:sp>
-      <p:sp>
-        <p:nvSpPr>
-          <p:cNvPr id="3" name="Содержимое 2"/>
-          <p:cNvSpPr>
-            <a:spLocks noGrp="1"/>
-          </p:cNvSpPr>
-          <p:nvPr>
-            <p:ph idx="1"/>
-          </p:nvPr>
-        </p:nvSpPr>
-        <p:spPr/>
-        <p:txBody>
-          <a:bodyPr/>
-          <a:lstStyle/>
-          <a:p>
-            <a:r>
-              <a:rPr lang="ru-RU" dirty="0" smtClean="0"/>
-              <a:t>Диаграмма вариантов использования</a:t>
-            </a:r>
-            <a:endParaRPr lang="ru-RU" dirty="0"/>
-          </a:p>
-        </p:txBody>
-      </p:sp>
-      <p:pic>
-        <p:nvPicPr>
-          <p:cNvPr id="4" name="Рисунок 3"/>
-          <p:cNvPicPr>
-            <a:picLocks noChangeAspect="1"/>
-          </p:cNvPicPr>
-          <p:nvPr/>
-        </p:nvPicPr>
-        <p:blipFill>
-          <a:blip r:embed="rId2"/>
-          <a:stretch>
-            <a:fillRect/>
-          </a:stretch>
-        </p:blipFill>
-        <p:spPr>
-          <a:xfrm>
-            <a:off x="1259632" y="2204864"/>
-            <a:ext cx="6872847" cy="4473175"/>
+            <a:off x="1187624" y="3140968"/>
+            <a:ext cx="6884216" cy="1397124"/>
           </a:xfrm>
           <a:prstGeom prst="rect">
             <a:avLst/>
@@ -6781,6 +4718,11 @@
         </p:spPr>
       </p:pic>
     </p:spTree>
+    <p:extLst>
+      <p:ext uri="{BB962C8B-B14F-4D97-AF65-F5344CB8AC3E}">
+        <p14:creationId xmlns:p14="http://schemas.microsoft.com/office/powerpoint/2010/main" val="3452243133"/>
+      </p:ext>
+    </p:extLst>
   </p:cSld>
   <p:clrMapOvr>
     <a:masterClrMapping/>
@@ -6788,7 +4730,7 @@
 </p:sld>
 </file>
 
-<file path=ppt/slides/slide7.xml><?xml version="1.0" encoding="utf-8"?>
+<file path=ppt/slides/slide15.xml><?xml version="1.0" encoding="utf-8"?>
 <p:sld xmlns:a="http://schemas.openxmlformats.org/drawingml/2006/main" xmlns:r="http://schemas.openxmlformats.org/officeDocument/2006/relationships" xmlns:p="http://schemas.openxmlformats.org/presentationml/2006/main">
   <p:cSld>
     <p:spTree>
@@ -6821,12 +4763,8 @@
           <a:lstStyle/>
           <a:p>
             <a:r>
-              <a:rPr lang="en-US" dirty="0" smtClean="0"/>
-              <a:t>UML </a:t>
-            </a:r>
-            <a:r>
               <a:rPr lang="ru-RU" dirty="0" smtClean="0"/>
-              <a:t>Диаграммы </a:t>
+              <a:t>Демонстрация программы</a:t>
             </a:r>
             <a:endParaRPr lang="ru-RU" dirty="0"/>
           </a:p>
@@ -6842,14 +4780,19 @@
             <p:ph idx="1"/>
           </p:nvPr>
         </p:nvSpPr>
-        <p:spPr/>
-        <p:txBody>
-          <a:bodyPr/>
-          <a:lstStyle/>
-          <a:p>
-            <a:r>
-              <a:rPr lang="ru-RU" dirty="0"/>
-              <a:t>Диаграмма последовательности</a:t>
+        <p:spPr>
+          <a:xfrm>
+            <a:off x="457200" y="1417638"/>
+            <a:ext cx="7467600" cy="4525963"/>
+          </a:xfrm>
+        </p:spPr>
+        <p:txBody>
+          <a:bodyPr/>
+          <a:lstStyle/>
+          <a:p>
+            <a:r>
+              <a:rPr lang="ru-RU" dirty="0" smtClean="0"/>
+              <a:t>Окно авторизации </a:t>
             </a:r>
             <a:endParaRPr lang="ru-RU" dirty="0"/>
           </a:p>
@@ -6871,8 +4814,1353 @@
         </p:blipFill>
         <p:spPr>
           <a:xfrm>
-            <a:off x="1652587" y="2204864"/>
-            <a:ext cx="5076825" cy="4171950"/>
+            <a:off x="899592" y="2132856"/>
+            <a:ext cx="7439025" cy="4324350"/>
+          </a:xfrm>
+          <a:prstGeom prst="rect">
+            <a:avLst/>
+          </a:prstGeom>
+        </p:spPr>
+      </p:pic>
+    </p:spTree>
+    <p:extLst>
+      <p:ext uri="{BB962C8B-B14F-4D97-AF65-F5344CB8AC3E}">
+        <p14:creationId xmlns:p14="http://schemas.microsoft.com/office/powerpoint/2010/main" val="1919192515"/>
+      </p:ext>
+    </p:extLst>
+  </p:cSld>
+  <p:clrMapOvr>
+    <a:masterClrMapping/>
+  </p:clrMapOvr>
+</p:sld>
+</file>
+
+<file path=ppt/slides/slide16.xml><?xml version="1.0" encoding="utf-8"?>
+<p:sld xmlns:a="http://schemas.openxmlformats.org/drawingml/2006/main" xmlns:r="http://schemas.openxmlformats.org/officeDocument/2006/relationships" xmlns:p="http://schemas.openxmlformats.org/presentationml/2006/main">
+  <p:cSld>
+    <p:spTree>
+      <p:nvGrpSpPr>
+        <p:cNvPr id="1" name=""/>
+        <p:cNvGrpSpPr/>
+        <p:nvPr/>
+      </p:nvGrpSpPr>
+      <p:grpSpPr>
+        <a:xfrm>
+          <a:off x="0" y="0"/>
+          <a:ext cx="0" cy="0"/>
+          <a:chOff x="0" y="0"/>
+          <a:chExt cx="0" cy="0"/>
+        </a:xfrm>
+      </p:grpSpPr>
+      <p:sp>
+        <p:nvSpPr>
+          <p:cNvPr id="2" name="Заголовок 1"/>
+          <p:cNvSpPr>
+            <a:spLocks noGrp="1"/>
+          </p:cNvSpPr>
+          <p:nvPr>
+            <p:ph type="title"/>
+          </p:nvPr>
+        </p:nvSpPr>
+        <p:spPr/>
+        <p:txBody>
+          <a:bodyPr/>
+          <a:lstStyle/>
+          <a:p>
+            <a:r>
+              <a:rPr lang="ru-RU" dirty="0" smtClean="0"/>
+              <a:t>Демонстрация программы</a:t>
+            </a:r>
+            <a:endParaRPr lang="ru-RU" dirty="0"/>
+          </a:p>
+        </p:txBody>
+      </p:sp>
+      <p:sp>
+        <p:nvSpPr>
+          <p:cNvPr id="3" name="Содержимое 2"/>
+          <p:cNvSpPr>
+            <a:spLocks noGrp="1"/>
+          </p:cNvSpPr>
+          <p:nvPr>
+            <p:ph idx="1"/>
+          </p:nvPr>
+        </p:nvSpPr>
+        <p:spPr>
+          <a:xfrm>
+            <a:off x="457200" y="1417638"/>
+            <a:ext cx="7467600" cy="4525963"/>
+          </a:xfrm>
+        </p:spPr>
+        <p:txBody>
+          <a:bodyPr/>
+          <a:lstStyle/>
+          <a:p>
+            <a:r>
+              <a:rPr lang="ru-RU" dirty="0" smtClean="0"/>
+              <a:t>Окно лаборанта</a:t>
+            </a:r>
+            <a:endParaRPr lang="ru-RU" dirty="0"/>
+          </a:p>
+        </p:txBody>
+      </p:sp>
+      <p:pic>
+        <p:nvPicPr>
+          <p:cNvPr id="4" name="Рисунок 3"/>
+          <p:cNvPicPr>
+            <a:picLocks noChangeAspect="1"/>
+          </p:cNvPicPr>
+          <p:nvPr/>
+        </p:nvPicPr>
+        <p:blipFill>
+          <a:blip r:embed="rId2"/>
+          <a:stretch>
+            <a:fillRect/>
+          </a:stretch>
+        </p:blipFill>
+        <p:spPr>
+          <a:xfrm>
+            <a:off x="1043608" y="1988840"/>
+            <a:ext cx="7381875" cy="4305300"/>
+          </a:xfrm>
+          <a:prstGeom prst="rect">
+            <a:avLst/>
+          </a:prstGeom>
+        </p:spPr>
+      </p:pic>
+    </p:spTree>
+    <p:extLst>
+      <p:ext uri="{BB962C8B-B14F-4D97-AF65-F5344CB8AC3E}">
+        <p14:creationId xmlns:p14="http://schemas.microsoft.com/office/powerpoint/2010/main" val="2384026457"/>
+      </p:ext>
+    </p:extLst>
+  </p:cSld>
+  <p:clrMapOvr>
+    <a:masterClrMapping/>
+  </p:clrMapOvr>
+</p:sld>
+</file>
+
+<file path=ppt/slides/slide17.xml><?xml version="1.0" encoding="utf-8"?>
+<p:sld xmlns:a="http://schemas.openxmlformats.org/drawingml/2006/main" xmlns:r="http://schemas.openxmlformats.org/officeDocument/2006/relationships" xmlns:p="http://schemas.openxmlformats.org/presentationml/2006/main">
+  <p:cSld>
+    <p:spTree>
+      <p:nvGrpSpPr>
+        <p:cNvPr id="1" name=""/>
+        <p:cNvGrpSpPr/>
+        <p:nvPr/>
+      </p:nvGrpSpPr>
+      <p:grpSpPr>
+        <a:xfrm>
+          <a:off x="0" y="0"/>
+          <a:ext cx="0" cy="0"/>
+          <a:chOff x="0" y="0"/>
+          <a:chExt cx="0" cy="0"/>
+        </a:xfrm>
+      </p:grpSpPr>
+      <p:sp>
+        <p:nvSpPr>
+          <p:cNvPr id="2" name="Заголовок 1"/>
+          <p:cNvSpPr>
+            <a:spLocks noGrp="1"/>
+          </p:cNvSpPr>
+          <p:nvPr>
+            <p:ph type="title"/>
+          </p:nvPr>
+        </p:nvSpPr>
+        <p:spPr/>
+        <p:txBody>
+          <a:bodyPr/>
+          <a:lstStyle/>
+          <a:p>
+            <a:r>
+              <a:rPr lang="ru-RU" dirty="0" smtClean="0"/>
+              <a:t>Демонстрация программы</a:t>
+            </a:r>
+            <a:endParaRPr lang="ru-RU" dirty="0"/>
+          </a:p>
+        </p:txBody>
+      </p:sp>
+      <p:sp>
+        <p:nvSpPr>
+          <p:cNvPr id="3" name="Содержимое 2"/>
+          <p:cNvSpPr>
+            <a:spLocks noGrp="1"/>
+          </p:cNvSpPr>
+          <p:nvPr>
+            <p:ph idx="1"/>
+          </p:nvPr>
+        </p:nvSpPr>
+        <p:spPr>
+          <a:xfrm>
+            <a:off x="457200" y="1417638"/>
+            <a:ext cx="7467600" cy="4525963"/>
+          </a:xfrm>
+        </p:spPr>
+        <p:txBody>
+          <a:bodyPr/>
+          <a:lstStyle/>
+          <a:p>
+            <a:r>
+              <a:rPr lang="ru-RU" dirty="0" smtClean="0"/>
+              <a:t>Окно принятия биоматериала</a:t>
+            </a:r>
+            <a:endParaRPr lang="ru-RU" dirty="0"/>
+          </a:p>
+        </p:txBody>
+      </p:sp>
+      <p:pic>
+        <p:nvPicPr>
+          <p:cNvPr id="4" name="Рисунок 3"/>
+          <p:cNvPicPr>
+            <a:picLocks noChangeAspect="1"/>
+          </p:cNvPicPr>
+          <p:nvPr/>
+        </p:nvPicPr>
+        <p:blipFill>
+          <a:blip r:embed="rId2"/>
+          <a:stretch>
+            <a:fillRect/>
+          </a:stretch>
+        </p:blipFill>
+        <p:spPr>
+          <a:xfrm>
+            <a:off x="971600" y="1988840"/>
+            <a:ext cx="7429500" cy="4333875"/>
+          </a:xfrm>
+          <a:prstGeom prst="rect">
+            <a:avLst/>
+          </a:prstGeom>
+        </p:spPr>
+      </p:pic>
+    </p:spTree>
+    <p:extLst>
+      <p:ext uri="{BB962C8B-B14F-4D97-AF65-F5344CB8AC3E}">
+        <p14:creationId xmlns:p14="http://schemas.microsoft.com/office/powerpoint/2010/main" val="739601352"/>
+      </p:ext>
+    </p:extLst>
+  </p:cSld>
+  <p:clrMapOvr>
+    <a:masterClrMapping/>
+  </p:clrMapOvr>
+</p:sld>
+</file>
+
+<file path=ppt/slides/slide18.xml><?xml version="1.0" encoding="utf-8"?>
+<p:sld xmlns:a="http://schemas.openxmlformats.org/drawingml/2006/main" xmlns:r="http://schemas.openxmlformats.org/officeDocument/2006/relationships" xmlns:p="http://schemas.openxmlformats.org/presentationml/2006/main">
+  <p:cSld>
+    <p:spTree>
+      <p:nvGrpSpPr>
+        <p:cNvPr id="1" name=""/>
+        <p:cNvGrpSpPr/>
+        <p:nvPr/>
+      </p:nvGrpSpPr>
+      <p:grpSpPr>
+        <a:xfrm>
+          <a:off x="0" y="0"/>
+          <a:ext cx="0" cy="0"/>
+          <a:chOff x="0" y="0"/>
+          <a:chExt cx="0" cy="0"/>
+        </a:xfrm>
+      </p:grpSpPr>
+      <p:sp>
+        <p:nvSpPr>
+          <p:cNvPr id="2" name="Заголовок 1"/>
+          <p:cNvSpPr>
+            <a:spLocks noGrp="1"/>
+          </p:cNvSpPr>
+          <p:nvPr>
+            <p:ph type="title"/>
+          </p:nvPr>
+        </p:nvSpPr>
+        <p:spPr/>
+        <p:txBody>
+          <a:bodyPr/>
+          <a:lstStyle/>
+          <a:p>
+            <a:r>
+              <a:rPr lang="ru-RU" dirty="0" smtClean="0"/>
+              <a:t>Демонстрация программы</a:t>
+            </a:r>
+            <a:endParaRPr lang="ru-RU" dirty="0"/>
+          </a:p>
+        </p:txBody>
+      </p:sp>
+      <p:sp>
+        <p:nvSpPr>
+          <p:cNvPr id="3" name="Содержимое 2"/>
+          <p:cNvSpPr>
+            <a:spLocks noGrp="1"/>
+          </p:cNvSpPr>
+          <p:nvPr>
+            <p:ph idx="1"/>
+          </p:nvPr>
+        </p:nvSpPr>
+        <p:spPr>
+          <a:xfrm>
+            <a:off x="457200" y="1417638"/>
+            <a:ext cx="7467600" cy="4525963"/>
+          </a:xfrm>
+        </p:spPr>
+        <p:txBody>
+          <a:bodyPr/>
+          <a:lstStyle/>
+          <a:p>
+            <a:r>
+              <a:rPr lang="ru-RU" dirty="0" smtClean="0"/>
+              <a:t>Просмотр клиентов</a:t>
+            </a:r>
+            <a:endParaRPr lang="ru-RU" dirty="0"/>
+          </a:p>
+        </p:txBody>
+      </p:sp>
+      <p:pic>
+        <p:nvPicPr>
+          <p:cNvPr id="4" name="Рисунок 3"/>
+          <p:cNvPicPr>
+            <a:picLocks noChangeAspect="1"/>
+          </p:cNvPicPr>
+          <p:nvPr/>
+        </p:nvPicPr>
+        <p:blipFill>
+          <a:blip r:embed="rId2"/>
+          <a:stretch>
+            <a:fillRect/>
+          </a:stretch>
+        </p:blipFill>
+        <p:spPr>
+          <a:xfrm>
+            <a:off x="2411760" y="2780928"/>
+            <a:ext cx="4085803" cy="2351912"/>
+          </a:xfrm>
+          <a:prstGeom prst="rect">
+            <a:avLst/>
+          </a:prstGeom>
+        </p:spPr>
+      </p:pic>
+    </p:spTree>
+    <p:extLst>
+      <p:ext uri="{BB962C8B-B14F-4D97-AF65-F5344CB8AC3E}">
+        <p14:creationId xmlns:p14="http://schemas.microsoft.com/office/powerpoint/2010/main" val="3728141284"/>
+      </p:ext>
+    </p:extLst>
+  </p:cSld>
+  <p:clrMapOvr>
+    <a:masterClrMapping/>
+  </p:clrMapOvr>
+</p:sld>
+</file>
+
+<file path=ppt/slides/slide19.xml><?xml version="1.0" encoding="utf-8"?>
+<p:sld xmlns:a="http://schemas.openxmlformats.org/drawingml/2006/main" xmlns:r="http://schemas.openxmlformats.org/officeDocument/2006/relationships" xmlns:p="http://schemas.openxmlformats.org/presentationml/2006/main">
+  <p:cSld>
+    <p:spTree>
+      <p:nvGrpSpPr>
+        <p:cNvPr id="1" name=""/>
+        <p:cNvGrpSpPr/>
+        <p:nvPr/>
+      </p:nvGrpSpPr>
+      <p:grpSpPr>
+        <a:xfrm>
+          <a:off x="0" y="0"/>
+          <a:ext cx="0" cy="0"/>
+          <a:chOff x="0" y="0"/>
+          <a:chExt cx="0" cy="0"/>
+        </a:xfrm>
+      </p:grpSpPr>
+      <p:sp>
+        <p:nvSpPr>
+          <p:cNvPr id="2" name="Заголовок 1"/>
+          <p:cNvSpPr>
+            <a:spLocks noGrp="1"/>
+          </p:cNvSpPr>
+          <p:nvPr>
+            <p:ph type="title"/>
+          </p:nvPr>
+        </p:nvSpPr>
+        <p:spPr/>
+        <p:txBody>
+          <a:bodyPr/>
+          <a:lstStyle/>
+          <a:p>
+            <a:r>
+              <a:rPr lang="ru-RU" dirty="0" smtClean="0"/>
+              <a:t>Демонстрация программы</a:t>
+            </a:r>
+            <a:endParaRPr lang="ru-RU" dirty="0"/>
+          </a:p>
+        </p:txBody>
+      </p:sp>
+      <p:sp>
+        <p:nvSpPr>
+          <p:cNvPr id="3" name="Содержимое 2"/>
+          <p:cNvSpPr>
+            <a:spLocks noGrp="1"/>
+          </p:cNvSpPr>
+          <p:nvPr>
+            <p:ph idx="1"/>
+          </p:nvPr>
+        </p:nvSpPr>
+        <p:spPr>
+          <a:xfrm>
+            <a:off x="457200" y="1417638"/>
+            <a:ext cx="7467600" cy="4525963"/>
+          </a:xfrm>
+        </p:spPr>
+        <p:txBody>
+          <a:bodyPr/>
+          <a:lstStyle/>
+          <a:p>
+            <a:r>
+              <a:rPr lang="ru-RU" dirty="0" smtClean="0"/>
+              <a:t>Создание штрих-кода</a:t>
+            </a:r>
+            <a:endParaRPr lang="ru-RU" dirty="0"/>
+          </a:p>
+        </p:txBody>
+      </p:sp>
+      <p:pic>
+        <p:nvPicPr>
+          <p:cNvPr id="5" name="Рисунок 4"/>
+          <p:cNvPicPr>
+            <a:picLocks noChangeAspect="1"/>
+          </p:cNvPicPr>
+          <p:nvPr/>
+        </p:nvPicPr>
+        <p:blipFill>
+          <a:blip r:embed="rId2"/>
+          <a:stretch>
+            <a:fillRect/>
+          </a:stretch>
+        </p:blipFill>
+        <p:spPr>
+          <a:xfrm>
+            <a:off x="2438400" y="2204864"/>
+            <a:ext cx="3505200" cy="3981450"/>
+          </a:xfrm>
+          <a:prstGeom prst="rect">
+            <a:avLst/>
+          </a:prstGeom>
+        </p:spPr>
+      </p:pic>
+    </p:spTree>
+    <p:extLst>
+      <p:ext uri="{BB962C8B-B14F-4D97-AF65-F5344CB8AC3E}">
+        <p14:creationId xmlns:p14="http://schemas.microsoft.com/office/powerpoint/2010/main" val="2690124550"/>
+      </p:ext>
+    </p:extLst>
+  </p:cSld>
+  <p:clrMapOvr>
+    <a:masterClrMapping/>
+  </p:clrMapOvr>
+</p:sld>
+</file>
+
+<file path=ppt/slides/slide2.xml><?xml version="1.0" encoding="utf-8"?>
+<p:sld xmlns:a="http://schemas.openxmlformats.org/drawingml/2006/main" xmlns:r="http://schemas.openxmlformats.org/officeDocument/2006/relationships" xmlns:p="http://schemas.openxmlformats.org/presentationml/2006/main">
+  <p:cSld>
+    <p:spTree>
+      <p:nvGrpSpPr>
+        <p:cNvPr id="1" name=""/>
+        <p:cNvGrpSpPr/>
+        <p:nvPr/>
+      </p:nvGrpSpPr>
+      <p:grpSpPr>
+        <a:xfrm>
+          <a:off x="0" y="0"/>
+          <a:ext cx="0" cy="0"/>
+          <a:chOff x="0" y="0"/>
+          <a:chExt cx="0" cy="0"/>
+        </a:xfrm>
+      </p:grpSpPr>
+      <p:sp>
+        <p:nvSpPr>
+          <p:cNvPr id="2" name="Заголовок 1"/>
+          <p:cNvSpPr>
+            <a:spLocks noGrp="1"/>
+          </p:cNvSpPr>
+          <p:nvPr>
+            <p:ph type="title"/>
+          </p:nvPr>
+        </p:nvSpPr>
+        <p:spPr/>
+        <p:txBody>
+          <a:bodyPr/>
+          <a:lstStyle/>
+          <a:p>
+            <a:r>
+              <a:rPr lang="ru-RU" dirty="0" smtClean="0"/>
+              <a:t>База практики</a:t>
+            </a:r>
+            <a:endParaRPr lang="ru-RU" dirty="0"/>
+          </a:p>
+        </p:txBody>
+      </p:sp>
+      <p:sp>
+        <p:nvSpPr>
+          <p:cNvPr id="3" name="Содержимое 2"/>
+          <p:cNvSpPr>
+            <a:spLocks noGrp="1"/>
+          </p:cNvSpPr>
+          <p:nvPr>
+            <p:ph idx="1"/>
+          </p:nvPr>
+        </p:nvSpPr>
+        <p:spPr>
+          <a:xfrm>
+            <a:off x="457200" y="1600201"/>
+            <a:ext cx="7467600" cy="2836911"/>
+          </a:xfrm>
+        </p:spPr>
+        <p:txBody>
+          <a:bodyPr>
+            <a:normAutofit fontScale="77500" lnSpcReduction="20000"/>
+          </a:bodyPr>
+          <a:lstStyle/>
+          <a:p>
+            <a:r>
+              <a:rPr lang="ru-RU" sz="2000" dirty="0" smtClean="0"/>
+              <a:t>Название организации: КОГОПБУ СКПиСО.</a:t>
+            </a:r>
+          </a:p>
+          <a:p>
+            <a:r>
+              <a:rPr lang="ru-RU" sz="2000" dirty="0" smtClean="0"/>
+              <a:t>Контактный адрес: Рождественская ул., 69, Слободской.</a:t>
+            </a:r>
+          </a:p>
+          <a:p>
+            <a:r>
+              <a:rPr lang="ru-RU" sz="2000" dirty="0" smtClean="0"/>
+              <a:t>Номер телефона: +7 (833)624-71-54.</a:t>
+            </a:r>
+          </a:p>
+          <a:p>
+            <a:r>
+              <a:rPr lang="ru-RU" sz="2000" dirty="0" smtClean="0"/>
+              <a:t>Сфера деятельности организации</a:t>
+            </a:r>
+            <a:r>
+              <a:rPr lang="en-US" sz="2000" dirty="0" smtClean="0"/>
+              <a:t>: </a:t>
+            </a:r>
+            <a:r>
+              <a:rPr lang="ru-RU" sz="2000" dirty="0" smtClean="0"/>
+              <a:t>выполнение работ, оказание услуг в сфере образования.</a:t>
+            </a:r>
+          </a:p>
+          <a:p>
+            <a:r>
+              <a:rPr lang="ru-RU" sz="2000" dirty="0" smtClean="0"/>
+              <a:t>ФИО программиста: Выдрин Семён Тамазович, Шихов Константин Сергеевич</a:t>
+            </a:r>
+          </a:p>
+          <a:p>
+            <a:r>
+              <a:rPr lang="ru-RU" sz="2000" dirty="0" smtClean="0"/>
+              <a:t>Должностные обязанности: осуществляет руководство отделением многопрофильного колледжа, организует текущее и перспективное планирование его деятельности.</a:t>
+            </a:r>
+          </a:p>
+          <a:p>
+            <a:r>
+              <a:rPr lang="ru-RU" sz="2000" dirty="0" smtClean="0"/>
+              <a:t>Наименование используемых программ: </a:t>
+            </a:r>
+            <a:r>
+              <a:rPr lang="en-US" sz="2000" dirty="0" smtClean="0"/>
+              <a:t>SQL, Visio, Visual Studio, PowerPoint, Microsoft Word, Microsoft Excel. </a:t>
+            </a:r>
+            <a:endParaRPr lang="ru-RU" sz="2000" dirty="0" smtClean="0"/>
+          </a:p>
+        </p:txBody>
+      </p:sp>
+      <p:pic>
+        <p:nvPicPr>
+          <p:cNvPr id="1026" name="Picture 2" descr="C:\Users\Admin\Downloads\пед.png"/>
+          <p:cNvPicPr>
+            <a:picLocks noChangeAspect="1" noChangeArrowheads="1"/>
+          </p:cNvPicPr>
+          <p:nvPr/>
+        </p:nvPicPr>
+        <p:blipFill>
+          <a:blip r:embed="rId2" cstate="print"/>
+          <a:srcRect/>
+          <a:stretch>
+            <a:fillRect/>
+          </a:stretch>
+        </p:blipFill>
+        <p:spPr bwMode="auto">
+          <a:xfrm>
+            <a:off x="4355976" y="4581128"/>
+            <a:ext cx="2788404" cy="1800200"/>
+          </a:xfrm>
+          <a:prstGeom prst="rect">
+            <a:avLst/>
+          </a:prstGeom>
+          <a:noFill/>
+        </p:spPr>
+      </p:pic>
+      <p:sp>
+        <p:nvSpPr>
+          <p:cNvPr id="5" name="TextBox 4"/>
+          <p:cNvSpPr txBox="1"/>
+          <p:nvPr/>
+        </p:nvSpPr>
+        <p:spPr>
+          <a:xfrm>
+            <a:off x="2195736" y="4581128"/>
+            <a:ext cx="2016224" cy="369332"/>
+          </a:xfrm>
+          <a:prstGeom prst="rect">
+            <a:avLst/>
+          </a:prstGeom>
+          <a:noFill/>
+        </p:spPr>
+        <p:txBody>
+          <a:bodyPr wrap="square" rtlCol="0">
+            <a:spAutoFit/>
+          </a:bodyPr>
+          <a:lstStyle/>
+          <a:p>
+            <a:r>
+              <a:rPr lang="ru-RU" dirty="0" smtClean="0"/>
+              <a:t>Фото колледжа:</a:t>
+            </a:r>
+            <a:endParaRPr lang="ru-RU" dirty="0"/>
+          </a:p>
+        </p:txBody>
+      </p:sp>
+    </p:spTree>
+  </p:cSld>
+  <p:clrMapOvr>
+    <a:masterClrMapping/>
+  </p:clrMapOvr>
+</p:sld>
+</file>
+
+<file path=ppt/slides/slide20.xml><?xml version="1.0" encoding="utf-8"?>
+<p:sld xmlns:a="http://schemas.openxmlformats.org/drawingml/2006/main" xmlns:r="http://schemas.openxmlformats.org/officeDocument/2006/relationships" xmlns:p="http://schemas.openxmlformats.org/presentationml/2006/main">
+  <p:cSld>
+    <p:spTree>
+      <p:nvGrpSpPr>
+        <p:cNvPr id="1" name=""/>
+        <p:cNvGrpSpPr/>
+        <p:nvPr/>
+      </p:nvGrpSpPr>
+      <p:grpSpPr>
+        <a:xfrm>
+          <a:off x="0" y="0"/>
+          <a:ext cx="0" cy="0"/>
+          <a:chOff x="0" y="0"/>
+          <a:chExt cx="0" cy="0"/>
+        </a:xfrm>
+      </p:grpSpPr>
+      <p:sp>
+        <p:nvSpPr>
+          <p:cNvPr id="2" name="Заголовок 1"/>
+          <p:cNvSpPr>
+            <a:spLocks noGrp="1"/>
+          </p:cNvSpPr>
+          <p:nvPr>
+            <p:ph type="title"/>
+          </p:nvPr>
+        </p:nvSpPr>
+        <p:spPr/>
+        <p:txBody>
+          <a:bodyPr/>
+          <a:lstStyle/>
+          <a:p>
+            <a:r>
+              <a:rPr lang="ru-RU" dirty="0" smtClean="0"/>
+              <a:t>Демонстрация программы</a:t>
+            </a:r>
+            <a:endParaRPr lang="ru-RU" dirty="0"/>
+          </a:p>
+        </p:txBody>
+      </p:sp>
+      <p:sp>
+        <p:nvSpPr>
+          <p:cNvPr id="3" name="Содержимое 2"/>
+          <p:cNvSpPr>
+            <a:spLocks noGrp="1"/>
+          </p:cNvSpPr>
+          <p:nvPr>
+            <p:ph idx="1"/>
+          </p:nvPr>
+        </p:nvSpPr>
+        <p:spPr>
+          <a:xfrm>
+            <a:off x="457200" y="1417638"/>
+            <a:ext cx="7467600" cy="4525963"/>
+          </a:xfrm>
+        </p:spPr>
+        <p:txBody>
+          <a:bodyPr/>
+          <a:lstStyle/>
+          <a:p>
+            <a:r>
+              <a:rPr lang="ru-RU" dirty="0" smtClean="0"/>
+              <a:t>Создание Клиента</a:t>
+            </a:r>
+            <a:endParaRPr lang="ru-RU" dirty="0"/>
+          </a:p>
+        </p:txBody>
+      </p:sp>
+      <p:pic>
+        <p:nvPicPr>
+          <p:cNvPr id="4" name="Рисунок 3"/>
+          <p:cNvPicPr>
+            <a:picLocks noChangeAspect="1"/>
+          </p:cNvPicPr>
+          <p:nvPr/>
+        </p:nvPicPr>
+        <p:blipFill>
+          <a:blip r:embed="rId2"/>
+          <a:stretch>
+            <a:fillRect/>
+          </a:stretch>
+        </p:blipFill>
+        <p:spPr>
+          <a:xfrm>
+            <a:off x="1187624" y="2546773"/>
+            <a:ext cx="6382130" cy="3380804"/>
+          </a:xfrm>
+          <a:prstGeom prst="rect">
+            <a:avLst/>
+          </a:prstGeom>
+        </p:spPr>
+      </p:pic>
+    </p:spTree>
+    <p:extLst>
+      <p:ext uri="{BB962C8B-B14F-4D97-AF65-F5344CB8AC3E}">
+        <p14:creationId xmlns:p14="http://schemas.microsoft.com/office/powerpoint/2010/main" val="4195366444"/>
+      </p:ext>
+    </p:extLst>
+  </p:cSld>
+  <p:clrMapOvr>
+    <a:masterClrMapping/>
+  </p:clrMapOvr>
+</p:sld>
+</file>
+
+<file path=ppt/slides/slide21.xml><?xml version="1.0" encoding="utf-8"?>
+<p:sld xmlns:a="http://schemas.openxmlformats.org/drawingml/2006/main" xmlns:r="http://schemas.openxmlformats.org/officeDocument/2006/relationships" xmlns:p="http://schemas.openxmlformats.org/presentationml/2006/main">
+  <p:cSld>
+    <p:spTree>
+      <p:nvGrpSpPr>
+        <p:cNvPr id="1" name=""/>
+        <p:cNvGrpSpPr/>
+        <p:nvPr/>
+      </p:nvGrpSpPr>
+      <p:grpSpPr>
+        <a:xfrm>
+          <a:off x="0" y="0"/>
+          <a:ext cx="0" cy="0"/>
+          <a:chOff x="0" y="0"/>
+          <a:chExt cx="0" cy="0"/>
+        </a:xfrm>
+      </p:grpSpPr>
+      <p:sp>
+        <p:nvSpPr>
+          <p:cNvPr id="2" name="Заголовок 1"/>
+          <p:cNvSpPr>
+            <a:spLocks noGrp="1"/>
+          </p:cNvSpPr>
+          <p:nvPr>
+            <p:ph type="title"/>
+          </p:nvPr>
+        </p:nvSpPr>
+        <p:spPr/>
+        <p:txBody>
+          <a:bodyPr/>
+          <a:lstStyle/>
+          <a:p>
+            <a:r>
+              <a:rPr lang="ru-RU" dirty="0" smtClean="0"/>
+              <a:t>Демонстрация программы</a:t>
+            </a:r>
+            <a:endParaRPr lang="ru-RU" dirty="0"/>
+          </a:p>
+        </p:txBody>
+      </p:sp>
+      <p:sp>
+        <p:nvSpPr>
+          <p:cNvPr id="3" name="Содержимое 2"/>
+          <p:cNvSpPr>
+            <a:spLocks noGrp="1"/>
+          </p:cNvSpPr>
+          <p:nvPr>
+            <p:ph idx="1"/>
+          </p:nvPr>
+        </p:nvSpPr>
+        <p:spPr>
+          <a:xfrm>
+            <a:off x="457200" y="1417638"/>
+            <a:ext cx="7467600" cy="4525963"/>
+          </a:xfrm>
+        </p:spPr>
+        <p:txBody>
+          <a:bodyPr/>
+          <a:lstStyle/>
+          <a:p>
+            <a:r>
+              <a:rPr lang="ru-RU" dirty="0" smtClean="0"/>
+              <a:t>Создание Клиента</a:t>
+            </a:r>
+            <a:endParaRPr lang="ru-RU" dirty="0"/>
+          </a:p>
+        </p:txBody>
+      </p:sp>
+      <p:pic>
+        <p:nvPicPr>
+          <p:cNvPr id="5" name="Рисунок 4"/>
+          <p:cNvPicPr>
+            <a:picLocks noChangeAspect="1"/>
+          </p:cNvPicPr>
+          <p:nvPr/>
+        </p:nvPicPr>
+        <p:blipFill>
+          <a:blip r:embed="rId2"/>
+          <a:stretch>
+            <a:fillRect/>
+          </a:stretch>
+        </p:blipFill>
+        <p:spPr>
+          <a:xfrm>
+            <a:off x="1835696" y="2780928"/>
+            <a:ext cx="4680520" cy="2313565"/>
+          </a:xfrm>
+          <a:prstGeom prst="rect">
+            <a:avLst/>
+          </a:prstGeom>
+        </p:spPr>
+      </p:pic>
+    </p:spTree>
+    <p:extLst>
+      <p:ext uri="{BB962C8B-B14F-4D97-AF65-F5344CB8AC3E}">
+        <p14:creationId xmlns:p14="http://schemas.microsoft.com/office/powerpoint/2010/main" val="578733479"/>
+      </p:ext>
+    </p:extLst>
+  </p:cSld>
+  <p:clrMapOvr>
+    <a:masterClrMapping/>
+  </p:clrMapOvr>
+</p:sld>
+</file>
+
+<file path=ppt/slides/slide22.xml><?xml version="1.0" encoding="utf-8"?>
+<p:sld xmlns:a="http://schemas.openxmlformats.org/drawingml/2006/main" xmlns:r="http://schemas.openxmlformats.org/officeDocument/2006/relationships" xmlns:p="http://schemas.openxmlformats.org/presentationml/2006/main">
+  <p:cSld>
+    <p:spTree>
+      <p:nvGrpSpPr>
+        <p:cNvPr id="1" name=""/>
+        <p:cNvGrpSpPr/>
+        <p:nvPr/>
+      </p:nvGrpSpPr>
+      <p:grpSpPr>
+        <a:xfrm>
+          <a:off x="0" y="0"/>
+          <a:ext cx="0" cy="0"/>
+          <a:chOff x="0" y="0"/>
+          <a:chExt cx="0" cy="0"/>
+        </a:xfrm>
+      </p:grpSpPr>
+      <p:sp>
+        <p:nvSpPr>
+          <p:cNvPr id="2" name="Заголовок 1"/>
+          <p:cNvSpPr>
+            <a:spLocks noGrp="1"/>
+          </p:cNvSpPr>
+          <p:nvPr>
+            <p:ph type="title"/>
+          </p:nvPr>
+        </p:nvSpPr>
+        <p:spPr/>
+        <p:txBody>
+          <a:bodyPr/>
+          <a:lstStyle/>
+          <a:p>
+            <a:r>
+              <a:rPr lang="ru-RU" dirty="0" smtClean="0"/>
+              <a:t>Демонстрация программы</a:t>
+            </a:r>
+            <a:endParaRPr lang="ru-RU" dirty="0"/>
+          </a:p>
+        </p:txBody>
+      </p:sp>
+      <p:sp>
+        <p:nvSpPr>
+          <p:cNvPr id="3" name="Содержимое 2"/>
+          <p:cNvSpPr>
+            <a:spLocks noGrp="1"/>
+          </p:cNvSpPr>
+          <p:nvPr>
+            <p:ph idx="1"/>
+          </p:nvPr>
+        </p:nvSpPr>
+        <p:spPr>
+          <a:xfrm>
+            <a:off x="457200" y="1417638"/>
+            <a:ext cx="7467600" cy="4525963"/>
+          </a:xfrm>
+        </p:spPr>
+        <p:txBody>
+          <a:bodyPr/>
+          <a:lstStyle/>
+          <a:p>
+            <a:r>
+              <a:rPr lang="ru-RU" dirty="0" smtClean="0"/>
+              <a:t>Реализация ограничения доступа</a:t>
+            </a:r>
+            <a:endParaRPr lang="ru-RU" dirty="0"/>
+          </a:p>
+        </p:txBody>
+      </p:sp>
+      <p:pic>
+        <p:nvPicPr>
+          <p:cNvPr id="5" name="Рисунок 4"/>
+          <p:cNvPicPr>
+            <a:picLocks noChangeAspect="1"/>
+          </p:cNvPicPr>
+          <p:nvPr/>
+        </p:nvPicPr>
+        <p:blipFill>
+          <a:blip r:embed="rId2"/>
+          <a:stretch>
+            <a:fillRect/>
+          </a:stretch>
+        </p:blipFill>
+        <p:spPr>
+          <a:xfrm>
+            <a:off x="1658615" y="2852936"/>
+            <a:ext cx="6231483" cy="2644874"/>
+          </a:xfrm>
+          <a:prstGeom prst="rect">
+            <a:avLst/>
+          </a:prstGeom>
+        </p:spPr>
+      </p:pic>
+    </p:spTree>
+    <p:extLst>
+      <p:ext uri="{BB962C8B-B14F-4D97-AF65-F5344CB8AC3E}">
+        <p14:creationId xmlns:p14="http://schemas.microsoft.com/office/powerpoint/2010/main" val="398016894"/>
+      </p:ext>
+    </p:extLst>
+  </p:cSld>
+  <p:clrMapOvr>
+    <a:masterClrMapping/>
+  </p:clrMapOvr>
+</p:sld>
+</file>
+
+<file path=ppt/slides/slide23.xml><?xml version="1.0" encoding="utf-8"?>
+<p:sld xmlns:a="http://schemas.openxmlformats.org/drawingml/2006/main" xmlns:r="http://schemas.openxmlformats.org/officeDocument/2006/relationships" xmlns:p="http://schemas.openxmlformats.org/presentationml/2006/main">
+  <p:cSld>
+    <p:spTree>
+      <p:nvGrpSpPr>
+        <p:cNvPr id="1" name=""/>
+        <p:cNvGrpSpPr/>
+        <p:nvPr/>
+      </p:nvGrpSpPr>
+      <p:grpSpPr>
+        <a:xfrm>
+          <a:off x="0" y="0"/>
+          <a:ext cx="0" cy="0"/>
+          <a:chOff x="0" y="0"/>
+          <a:chExt cx="0" cy="0"/>
+        </a:xfrm>
+      </p:grpSpPr>
+      <p:sp>
+        <p:nvSpPr>
+          <p:cNvPr id="2" name="Заголовок 1"/>
+          <p:cNvSpPr>
+            <a:spLocks noGrp="1"/>
+          </p:cNvSpPr>
+          <p:nvPr>
+            <p:ph type="title"/>
+          </p:nvPr>
+        </p:nvSpPr>
+        <p:spPr/>
+        <p:txBody>
+          <a:bodyPr/>
+          <a:lstStyle/>
+          <a:p>
+            <a:r>
+              <a:rPr lang="ru-RU" dirty="0" smtClean="0"/>
+              <a:t>Демонстрация программы</a:t>
+            </a:r>
+            <a:endParaRPr lang="ru-RU" dirty="0"/>
+          </a:p>
+        </p:txBody>
+      </p:sp>
+      <p:sp>
+        <p:nvSpPr>
+          <p:cNvPr id="3" name="Содержимое 2"/>
+          <p:cNvSpPr>
+            <a:spLocks noGrp="1"/>
+          </p:cNvSpPr>
+          <p:nvPr>
+            <p:ph idx="1"/>
+          </p:nvPr>
+        </p:nvSpPr>
+        <p:spPr>
+          <a:xfrm>
+            <a:off x="457200" y="1417638"/>
+            <a:ext cx="7467600" cy="4525963"/>
+          </a:xfrm>
+        </p:spPr>
+        <p:txBody>
+          <a:bodyPr/>
+          <a:lstStyle/>
+          <a:p>
+            <a:r>
+              <a:rPr lang="ru-RU" dirty="0" smtClean="0"/>
+              <a:t>Реализация ограничения доступа</a:t>
+            </a:r>
+            <a:endParaRPr lang="ru-RU" dirty="0"/>
+          </a:p>
+        </p:txBody>
+      </p:sp>
+      <p:pic>
+        <p:nvPicPr>
+          <p:cNvPr id="4" name="Рисунок 3"/>
+          <p:cNvPicPr>
+            <a:picLocks noChangeAspect="1"/>
+          </p:cNvPicPr>
+          <p:nvPr/>
+        </p:nvPicPr>
+        <p:blipFill>
+          <a:blip r:embed="rId2"/>
+          <a:stretch>
+            <a:fillRect/>
+          </a:stretch>
+        </p:blipFill>
+        <p:spPr>
+          <a:xfrm>
+            <a:off x="3275856" y="2586534"/>
+            <a:ext cx="2496666" cy="2797988"/>
+          </a:xfrm>
+          <a:prstGeom prst="rect">
+            <a:avLst/>
+          </a:prstGeom>
+        </p:spPr>
+      </p:pic>
+    </p:spTree>
+    <p:extLst>
+      <p:ext uri="{BB962C8B-B14F-4D97-AF65-F5344CB8AC3E}">
+        <p14:creationId xmlns:p14="http://schemas.microsoft.com/office/powerpoint/2010/main" val="1236294441"/>
+      </p:ext>
+    </p:extLst>
+  </p:cSld>
+  <p:clrMapOvr>
+    <a:masterClrMapping/>
+  </p:clrMapOvr>
+</p:sld>
+</file>
+
+<file path=ppt/slides/slide24.xml><?xml version="1.0" encoding="utf-8"?>
+<p:sld xmlns:a="http://schemas.openxmlformats.org/drawingml/2006/main" xmlns:r="http://schemas.openxmlformats.org/officeDocument/2006/relationships" xmlns:p="http://schemas.openxmlformats.org/presentationml/2006/main">
+  <p:cSld>
+    <p:spTree>
+      <p:nvGrpSpPr>
+        <p:cNvPr id="1" name=""/>
+        <p:cNvGrpSpPr/>
+        <p:nvPr/>
+      </p:nvGrpSpPr>
+      <p:grpSpPr>
+        <a:xfrm>
+          <a:off x="0" y="0"/>
+          <a:ext cx="0" cy="0"/>
+          <a:chOff x="0" y="0"/>
+          <a:chExt cx="0" cy="0"/>
+        </a:xfrm>
+      </p:grpSpPr>
+      <p:sp>
+        <p:nvSpPr>
+          <p:cNvPr id="2" name="Заголовок 1"/>
+          <p:cNvSpPr>
+            <a:spLocks noGrp="1"/>
+          </p:cNvSpPr>
+          <p:nvPr>
+            <p:ph type="title"/>
+          </p:nvPr>
+        </p:nvSpPr>
+        <p:spPr/>
+        <p:txBody>
+          <a:bodyPr/>
+          <a:lstStyle/>
+          <a:p>
+            <a:r>
+              <a:rPr lang="ru-RU" dirty="0" smtClean="0"/>
+              <a:t>Демонстрация программы</a:t>
+            </a:r>
+            <a:endParaRPr lang="ru-RU" dirty="0"/>
+          </a:p>
+        </p:txBody>
+      </p:sp>
+      <p:sp>
+        <p:nvSpPr>
+          <p:cNvPr id="3" name="Содержимое 2"/>
+          <p:cNvSpPr>
+            <a:spLocks noGrp="1"/>
+          </p:cNvSpPr>
+          <p:nvPr>
+            <p:ph idx="1"/>
+          </p:nvPr>
+        </p:nvSpPr>
+        <p:spPr>
+          <a:xfrm>
+            <a:off x="457200" y="1417638"/>
+            <a:ext cx="7467600" cy="4525963"/>
+          </a:xfrm>
+        </p:spPr>
+        <p:txBody>
+          <a:bodyPr/>
+          <a:lstStyle/>
+          <a:p>
+            <a:r>
+              <a:rPr lang="ru-RU" dirty="0" smtClean="0"/>
+              <a:t>Реализация ограничения доступа</a:t>
+            </a:r>
+            <a:endParaRPr lang="ru-RU" dirty="0"/>
+          </a:p>
+        </p:txBody>
+      </p:sp>
+      <p:pic>
+        <p:nvPicPr>
+          <p:cNvPr id="5" name="Рисунок 4"/>
+          <p:cNvPicPr>
+            <a:picLocks noChangeAspect="1"/>
+          </p:cNvPicPr>
+          <p:nvPr/>
+        </p:nvPicPr>
+        <p:blipFill>
+          <a:blip r:embed="rId2"/>
+          <a:stretch>
+            <a:fillRect/>
+          </a:stretch>
+        </p:blipFill>
+        <p:spPr>
+          <a:xfrm>
+            <a:off x="1043608" y="2780928"/>
+            <a:ext cx="7157644" cy="2630587"/>
+          </a:xfrm>
+          <a:prstGeom prst="rect">
+            <a:avLst/>
+          </a:prstGeom>
+        </p:spPr>
+      </p:pic>
+    </p:spTree>
+    <p:extLst>
+      <p:ext uri="{BB962C8B-B14F-4D97-AF65-F5344CB8AC3E}">
+        <p14:creationId xmlns:p14="http://schemas.microsoft.com/office/powerpoint/2010/main" val="3816769612"/>
+      </p:ext>
+    </p:extLst>
+  </p:cSld>
+  <p:clrMapOvr>
+    <a:masterClrMapping/>
+  </p:clrMapOvr>
+</p:sld>
+</file>
+
+<file path=ppt/slides/slide25.xml><?xml version="1.0" encoding="utf-8"?>
+<p:sld xmlns:a="http://schemas.openxmlformats.org/drawingml/2006/main" xmlns:r="http://schemas.openxmlformats.org/officeDocument/2006/relationships" xmlns:p="http://schemas.openxmlformats.org/presentationml/2006/main">
+  <p:cSld>
+    <p:spTree>
+      <p:nvGrpSpPr>
+        <p:cNvPr id="1" name=""/>
+        <p:cNvGrpSpPr/>
+        <p:nvPr/>
+      </p:nvGrpSpPr>
+      <p:grpSpPr>
+        <a:xfrm>
+          <a:off x="0" y="0"/>
+          <a:ext cx="0" cy="0"/>
+          <a:chOff x="0" y="0"/>
+          <a:chExt cx="0" cy="0"/>
+        </a:xfrm>
+      </p:grpSpPr>
+      <p:sp>
+        <p:nvSpPr>
+          <p:cNvPr id="2" name="Заголовок 1"/>
+          <p:cNvSpPr>
+            <a:spLocks noGrp="1"/>
+          </p:cNvSpPr>
+          <p:nvPr>
+            <p:ph type="title"/>
+          </p:nvPr>
+        </p:nvSpPr>
+        <p:spPr/>
+        <p:txBody>
+          <a:bodyPr/>
+          <a:lstStyle/>
+          <a:p>
+            <a:r>
+              <a:rPr lang="ru-RU" dirty="0" smtClean="0"/>
+              <a:t>Демонстрация программы</a:t>
+            </a:r>
+            <a:endParaRPr lang="ru-RU" dirty="0"/>
+          </a:p>
+        </p:txBody>
+      </p:sp>
+      <p:sp>
+        <p:nvSpPr>
+          <p:cNvPr id="3" name="Содержимое 2"/>
+          <p:cNvSpPr>
+            <a:spLocks noGrp="1"/>
+          </p:cNvSpPr>
+          <p:nvPr>
+            <p:ph idx="1"/>
+          </p:nvPr>
+        </p:nvSpPr>
+        <p:spPr>
+          <a:xfrm>
+            <a:off x="457200" y="1417638"/>
+            <a:ext cx="7467600" cy="4525963"/>
+          </a:xfrm>
+        </p:spPr>
+        <p:txBody>
+          <a:bodyPr/>
+          <a:lstStyle/>
+          <a:p>
+            <a:r>
+              <a:rPr lang="ru-RU" dirty="0" smtClean="0"/>
+              <a:t>Реализация ограничения доступа</a:t>
+            </a:r>
+            <a:endParaRPr lang="ru-RU" dirty="0"/>
+          </a:p>
+        </p:txBody>
+      </p:sp>
+      <p:pic>
+        <p:nvPicPr>
+          <p:cNvPr id="4" name="Рисунок 3"/>
+          <p:cNvPicPr>
+            <a:picLocks noChangeAspect="1"/>
+          </p:cNvPicPr>
+          <p:nvPr/>
+        </p:nvPicPr>
+        <p:blipFill>
+          <a:blip r:embed="rId2"/>
+          <a:stretch>
+            <a:fillRect/>
+          </a:stretch>
+        </p:blipFill>
+        <p:spPr>
+          <a:xfrm>
+            <a:off x="1094986" y="2852936"/>
+            <a:ext cx="6829814" cy="2702595"/>
+          </a:xfrm>
+          <a:prstGeom prst="rect">
+            <a:avLst/>
+          </a:prstGeom>
+        </p:spPr>
+      </p:pic>
+    </p:spTree>
+    <p:extLst>
+      <p:ext uri="{BB962C8B-B14F-4D97-AF65-F5344CB8AC3E}">
+        <p14:creationId xmlns:p14="http://schemas.microsoft.com/office/powerpoint/2010/main" val="1891565599"/>
+      </p:ext>
+    </p:extLst>
+  </p:cSld>
+  <p:clrMapOvr>
+    <a:masterClrMapping/>
+  </p:clrMapOvr>
+</p:sld>
+</file>
+
+<file path=ppt/slides/slide26.xml><?xml version="1.0" encoding="utf-8"?>
+<p:sld xmlns:a="http://schemas.openxmlformats.org/drawingml/2006/main" xmlns:r="http://schemas.openxmlformats.org/officeDocument/2006/relationships" xmlns:p="http://schemas.openxmlformats.org/presentationml/2006/main">
+  <p:cSld>
+    <p:spTree>
+      <p:nvGrpSpPr>
+        <p:cNvPr id="1" name=""/>
+        <p:cNvGrpSpPr/>
+        <p:nvPr/>
+      </p:nvGrpSpPr>
+      <p:grpSpPr>
+        <a:xfrm>
+          <a:off x="0" y="0"/>
+          <a:ext cx="0" cy="0"/>
+          <a:chOff x="0" y="0"/>
+          <a:chExt cx="0" cy="0"/>
+        </a:xfrm>
+      </p:grpSpPr>
+      <p:sp>
+        <p:nvSpPr>
+          <p:cNvPr id="2" name="Заголовок 1"/>
+          <p:cNvSpPr>
+            <a:spLocks noGrp="1"/>
+          </p:cNvSpPr>
+          <p:nvPr>
+            <p:ph type="title"/>
+          </p:nvPr>
+        </p:nvSpPr>
+        <p:spPr/>
+        <p:txBody>
+          <a:bodyPr/>
+          <a:lstStyle/>
+          <a:p>
+            <a:r>
+              <a:rPr lang="ru-RU" dirty="0" smtClean="0"/>
+              <a:t>Демонстрация программы</a:t>
+            </a:r>
+            <a:endParaRPr lang="ru-RU" dirty="0"/>
+          </a:p>
+        </p:txBody>
+      </p:sp>
+      <p:sp>
+        <p:nvSpPr>
+          <p:cNvPr id="3" name="Содержимое 2"/>
+          <p:cNvSpPr>
+            <a:spLocks noGrp="1"/>
+          </p:cNvSpPr>
+          <p:nvPr>
+            <p:ph idx="1"/>
+          </p:nvPr>
+        </p:nvSpPr>
+        <p:spPr>
+          <a:xfrm>
+            <a:off x="457200" y="1417638"/>
+            <a:ext cx="7467600" cy="4525963"/>
+          </a:xfrm>
+        </p:spPr>
+        <p:txBody>
+          <a:bodyPr/>
+          <a:lstStyle/>
+          <a:p>
+            <a:r>
+              <a:rPr lang="ru-RU" dirty="0"/>
+              <a:t>Разработка </a:t>
+            </a:r>
+            <a:r>
+              <a:rPr lang="en-US" dirty="0"/>
+              <a:t>Unit </a:t>
+            </a:r>
+            <a:r>
+              <a:rPr lang="ru-RU" dirty="0" smtClean="0"/>
+              <a:t>теста и тестирование </a:t>
+            </a:r>
+            <a:endParaRPr lang="ru-RU" dirty="0"/>
+          </a:p>
+        </p:txBody>
+      </p:sp>
+      <p:pic>
+        <p:nvPicPr>
+          <p:cNvPr id="5" name="Рисунок 4"/>
+          <p:cNvPicPr>
+            <a:picLocks noChangeAspect="1"/>
+          </p:cNvPicPr>
+          <p:nvPr/>
+        </p:nvPicPr>
+        <p:blipFill>
+          <a:blip r:embed="rId2"/>
+          <a:stretch>
+            <a:fillRect/>
+          </a:stretch>
+        </p:blipFill>
+        <p:spPr>
+          <a:xfrm>
+            <a:off x="406627" y="2204864"/>
+            <a:ext cx="5028216" cy="2808312"/>
           </a:xfrm>
           <a:prstGeom prst="rect">
             <a:avLst/>
@@ -6909,104 +6197,24 @@
           </a:sp3d>
         </p:spPr>
       </p:pic>
-    </p:spTree>
-    <p:extLst>
-      <p:ext uri="{BB962C8B-B14F-4D97-AF65-F5344CB8AC3E}">
-        <p14:creationId xmlns:p14="http://schemas.microsoft.com/office/powerpoint/2010/main" val="946261003"/>
-      </p:ext>
-    </p:extLst>
-  </p:cSld>
-  <p:clrMapOvr>
-    <a:masterClrMapping/>
-  </p:clrMapOvr>
-</p:sld>
-</file>
-
-<file path=ppt/slides/slide8.xml><?xml version="1.0" encoding="utf-8"?>
-<p:sld xmlns:a="http://schemas.openxmlformats.org/drawingml/2006/main" xmlns:r="http://schemas.openxmlformats.org/officeDocument/2006/relationships" xmlns:p="http://schemas.openxmlformats.org/presentationml/2006/main">
-  <p:cSld>
-    <p:spTree>
-      <p:nvGrpSpPr>
-        <p:cNvPr id="1" name=""/>
-        <p:cNvGrpSpPr/>
-        <p:nvPr/>
-      </p:nvGrpSpPr>
-      <p:grpSpPr>
-        <a:xfrm>
-          <a:off x="0" y="0"/>
-          <a:ext cx="0" cy="0"/>
-          <a:chOff x="0" y="0"/>
-          <a:chExt cx="0" cy="0"/>
-        </a:xfrm>
-      </p:grpSpPr>
-      <p:sp>
-        <p:nvSpPr>
-          <p:cNvPr id="2" name="Заголовок 1"/>
-          <p:cNvSpPr>
-            <a:spLocks noGrp="1"/>
-          </p:cNvSpPr>
-          <p:nvPr>
-            <p:ph type="title"/>
-          </p:nvPr>
-        </p:nvSpPr>
-        <p:spPr/>
-        <p:txBody>
-          <a:bodyPr/>
-          <a:lstStyle/>
-          <a:p>
-            <a:r>
-              <a:rPr lang="en-US" dirty="0" smtClean="0"/>
-              <a:t>UML </a:t>
-            </a:r>
-            <a:r>
-              <a:rPr lang="ru-RU" dirty="0" smtClean="0"/>
-              <a:t>Диаграммы </a:t>
-            </a:r>
-            <a:endParaRPr lang="ru-RU" dirty="0"/>
-          </a:p>
-        </p:txBody>
-      </p:sp>
-      <p:sp>
-        <p:nvSpPr>
-          <p:cNvPr id="3" name="Содержимое 2"/>
-          <p:cNvSpPr>
-            <a:spLocks noGrp="1"/>
-          </p:cNvSpPr>
-          <p:nvPr>
-            <p:ph idx="1"/>
-          </p:nvPr>
-        </p:nvSpPr>
-        <p:spPr/>
-        <p:txBody>
-          <a:bodyPr/>
-          <a:lstStyle/>
-          <a:p>
-            <a:r>
-              <a:rPr lang="ru-RU" dirty="0"/>
-              <a:t>Диаграмма кооперации</a:t>
-            </a:r>
-            <a:endParaRPr lang="ru-RU" dirty="0"/>
-          </a:p>
-        </p:txBody>
-      </p:sp>
       <p:pic>
         <p:nvPicPr>
-          <p:cNvPr id="4" name="Рисунок 3"/>
+          <p:cNvPr id="6" name="Рисунок 5"/>
           <p:cNvPicPr>
             <a:picLocks noChangeAspect="1"/>
           </p:cNvPicPr>
           <p:nvPr/>
         </p:nvPicPr>
         <p:blipFill>
-          <a:blip r:embed="rId2"/>
+          <a:blip r:embed="rId3"/>
           <a:stretch>
             <a:fillRect/>
           </a:stretch>
         </p:blipFill>
         <p:spPr>
           <a:xfrm>
-            <a:off x="464021" y="2348880"/>
-            <a:ext cx="7784547" cy="3438079"/>
+            <a:off x="2627784" y="3933056"/>
+            <a:ext cx="6223265" cy="2519338"/>
           </a:xfrm>
           <a:prstGeom prst="rect">
             <a:avLst/>
@@ -7046,7 +6254,7 @@
     </p:spTree>
     <p:extLst>
       <p:ext uri="{BB962C8B-B14F-4D97-AF65-F5344CB8AC3E}">
-        <p14:creationId xmlns:p14="http://schemas.microsoft.com/office/powerpoint/2010/main" val="2688583943"/>
+        <p14:creationId xmlns:p14="http://schemas.microsoft.com/office/powerpoint/2010/main" val="2380637610"/>
       </p:ext>
     </p:extLst>
   </p:cSld>
@@ -7056,7 +6264,7 @@
 </p:sld>
 </file>
 
-<file path=ppt/slides/slide9.xml><?xml version="1.0" encoding="utf-8"?>
+<file path=ppt/slides/slide27.xml><?xml version="1.0" encoding="utf-8"?>
 <p:sld xmlns:a="http://schemas.openxmlformats.org/drawingml/2006/main" xmlns:r="http://schemas.openxmlformats.org/officeDocument/2006/relationships" xmlns:p="http://schemas.openxmlformats.org/presentationml/2006/main">
   <p:cSld>
     <p:spTree>
@@ -7089,12 +6297,8 @@
           <a:lstStyle/>
           <a:p>
             <a:r>
-              <a:rPr lang="en-US" dirty="0" smtClean="0"/>
-              <a:t>UML </a:t>
-            </a:r>
-            <a:r>
               <a:rPr lang="ru-RU" dirty="0" smtClean="0"/>
-              <a:t>Диаграммы </a:t>
+              <a:t>Демонстрация программы</a:t>
             </a:r>
             <a:endParaRPr lang="ru-RU" dirty="0"/>
           </a:p>
@@ -7112,17 +6316,21 @@
         </p:nvSpPr>
         <p:spPr>
           <a:xfrm>
-            <a:off x="457200" y="1600200"/>
-            <a:ext cx="2890664" cy="4525963"/>
-          </a:xfrm>
-        </p:spPr>
-        <p:txBody>
-          <a:bodyPr/>
-          <a:lstStyle/>
-          <a:p>
-            <a:r>
-              <a:rPr lang="ru-RU" dirty="0"/>
-              <a:t>Диаграмма компонентов</a:t>
+            <a:off x="457200" y="1417638"/>
+            <a:ext cx="3394720" cy="4525963"/>
+          </a:xfrm>
+        </p:spPr>
+        <p:txBody>
+          <a:bodyPr/>
+          <a:lstStyle/>
+          <a:p>
+            <a:r>
+              <a:rPr lang="ru-RU" dirty="0" smtClean="0"/>
+              <a:t>Создание и заполнение </a:t>
+            </a:r>
+            <a:r>
+              <a:rPr lang="en-US" dirty="0" err="1" smtClean="0"/>
+              <a:t>TestCase</a:t>
             </a:r>
             <a:endParaRPr lang="ru-RU" dirty="0"/>
           </a:p>
@@ -7144,8 +6352,844 @@
         </p:blipFill>
         <p:spPr>
           <a:xfrm>
-            <a:off x="3347864" y="1417638"/>
-            <a:ext cx="5688632" cy="5201242"/>
+            <a:off x="3883149" y="1196752"/>
+            <a:ext cx="4942957" cy="5440362"/>
+          </a:xfrm>
+          <a:prstGeom prst="rect">
+            <a:avLst/>
+          </a:prstGeom>
+        </p:spPr>
+      </p:pic>
+    </p:spTree>
+    <p:extLst>
+      <p:ext uri="{BB962C8B-B14F-4D97-AF65-F5344CB8AC3E}">
+        <p14:creationId xmlns:p14="http://schemas.microsoft.com/office/powerpoint/2010/main" val="3685024981"/>
+      </p:ext>
+    </p:extLst>
+  </p:cSld>
+  <p:clrMapOvr>
+    <a:masterClrMapping/>
+  </p:clrMapOvr>
+</p:sld>
+</file>
+
+<file path=ppt/slides/slide28.xml><?xml version="1.0" encoding="utf-8"?>
+<p:sld xmlns:a="http://schemas.openxmlformats.org/drawingml/2006/main" xmlns:r="http://schemas.openxmlformats.org/officeDocument/2006/relationships" xmlns:p="http://schemas.openxmlformats.org/presentationml/2006/main">
+  <p:cSld>
+    <p:spTree>
+      <p:nvGrpSpPr>
+        <p:cNvPr id="1" name=""/>
+        <p:cNvGrpSpPr/>
+        <p:nvPr/>
+      </p:nvGrpSpPr>
+      <p:grpSpPr>
+        <a:xfrm>
+          <a:off x="0" y="0"/>
+          <a:ext cx="0" cy="0"/>
+          <a:chOff x="0" y="0"/>
+          <a:chExt cx="0" cy="0"/>
+        </a:xfrm>
+      </p:grpSpPr>
+      <p:sp>
+        <p:nvSpPr>
+          <p:cNvPr id="2" name="Заголовок 1"/>
+          <p:cNvSpPr>
+            <a:spLocks noGrp="1"/>
+          </p:cNvSpPr>
+          <p:nvPr>
+            <p:ph type="title"/>
+          </p:nvPr>
+        </p:nvSpPr>
+        <p:spPr/>
+        <p:txBody>
+          <a:bodyPr/>
+          <a:lstStyle/>
+          <a:p>
+            <a:r>
+              <a:rPr lang="ru-RU" dirty="0" smtClean="0"/>
+              <a:t>Заключение</a:t>
+            </a:r>
+            <a:endParaRPr lang="ru-RU" dirty="0"/>
+          </a:p>
+        </p:txBody>
+      </p:sp>
+      <p:sp>
+        <p:nvSpPr>
+          <p:cNvPr id="3" name="Содержимое 2"/>
+          <p:cNvSpPr>
+            <a:spLocks noGrp="1"/>
+          </p:cNvSpPr>
+          <p:nvPr>
+            <p:ph idx="1"/>
+          </p:nvPr>
+        </p:nvSpPr>
+        <p:spPr>
+          <a:xfrm>
+            <a:off x="457200" y="1600200"/>
+            <a:ext cx="8507288" cy="4525963"/>
+          </a:xfrm>
+        </p:spPr>
+        <p:txBody>
+          <a:bodyPr>
+            <a:normAutofit fontScale="92500" lnSpcReduction="10000"/>
+          </a:bodyPr>
+          <a:lstStyle/>
+          <a:p>
+            <a:pPr algn="just"/>
+            <a:r>
+              <a:rPr lang="ru-RU" dirty="0"/>
+              <a:t>В процессе прохождения практики я закрепил знания и умения в интеграции программных модулей, изучил структуру возможных заданий и основных принципов деятельности данной профессии, а также продемонстрировал знания, по построению </a:t>
+            </a:r>
+            <a:r>
+              <a:rPr lang="en-US" dirty="0"/>
+              <a:t>UML </a:t>
+            </a:r>
+            <a:r>
+              <a:rPr lang="ru-RU" dirty="0"/>
+              <a:t>диаграмм полученные при обучении в колледже, выработал навыки работы с функциями тестирования, принятия решений и исправлении ошибок в практической деятельности</a:t>
+            </a:r>
+            <a:r>
+              <a:rPr lang="ru-RU" dirty="0" smtClean="0"/>
+              <a:t>.</a:t>
+            </a:r>
+            <a:endParaRPr lang="ru-RU" dirty="0"/>
+          </a:p>
+          <a:p>
+            <a:endParaRPr lang="ru-RU" dirty="0"/>
+          </a:p>
+        </p:txBody>
+      </p:sp>
+    </p:spTree>
+  </p:cSld>
+  <p:clrMapOvr>
+    <a:masterClrMapping/>
+  </p:clrMapOvr>
+</p:sld>
+</file>
+
+<file path=ppt/slides/slide3.xml><?xml version="1.0" encoding="utf-8"?>
+<p:sld xmlns:a="http://schemas.openxmlformats.org/drawingml/2006/main" xmlns:r="http://schemas.openxmlformats.org/officeDocument/2006/relationships" xmlns:p="http://schemas.openxmlformats.org/presentationml/2006/main">
+  <p:cSld>
+    <p:spTree>
+      <p:nvGrpSpPr>
+        <p:cNvPr id="1" name=""/>
+        <p:cNvGrpSpPr/>
+        <p:nvPr/>
+      </p:nvGrpSpPr>
+      <p:grpSpPr>
+        <a:xfrm>
+          <a:off x="0" y="0"/>
+          <a:ext cx="0" cy="0"/>
+          <a:chOff x="0" y="0"/>
+          <a:chExt cx="0" cy="0"/>
+        </a:xfrm>
+      </p:grpSpPr>
+      <p:sp>
+        <p:nvSpPr>
+          <p:cNvPr id="2" name="Заголовок 1"/>
+          <p:cNvSpPr>
+            <a:spLocks noGrp="1"/>
+          </p:cNvSpPr>
+          <p:nvPr>
+            <p:ph type="title"/>
+          </p:nvPr>
+        </p:nvSpPr>
+        <p:spPr/>
+        <p:txBody>
+          <a:bodyPr/>
+          <a:lstStyle/>
+          <a:p>
+            <a:r>
+              <a:rPr lang="ru-RU" dirty="0" smtClean="0"/>
+              <a:t>План практики</a:t>
+            </a:r>
+            <a:endParaRPr lang="ru-RU" dirty="0"/>
+          </a:p>
+        </p:txBody>
+      </p:sp>
+      <p:pic>
+        <p:nvPicPr>
+          <p:cNvPr id="2050" name="Picture 2"/>
+          <p:cNvPicPr>
+            <a:picLocks noChangeAspect="1" noChangeArrowheads="1"/>
+          </p:cNvPicPr>
+          <p:nvPr/>
+        </p:nvPicPr>
+        <p:blipFill>
+          <a:blip r:embed="rId2" cstate="print"/>
+          <a:srcRect/>
+          <a:stretch>
+            <a:fillRect/>
+          </a:stretch>
+        </p:blipFill>
+        <p:spPr bwMode="auto">
+          <a:xfrm>
+            <a:off x="323528" y="1340769"/>
+            <a:ext cx="3961077" cy="2664296"/>
+          </a:xfrm>
+          <a:prstGeom prst="rect">
+            <a:avLst/>
+          </a:prstGeom>
+          <a:noFill/>
+          <a:ln w="9525">
+            <a:noFill/>
+            <a:miter lim="800000"/>
+            <a:headEnd/>
+            <a:tailEnd/>
+          </a:ln>
+        </p:spPr>
+      </p:pic>
+      <p:pic>
+        <p:nvPicPr>
+          <p:cNvPr id="2051" name="Picture 3"/>
+          <p:cNvPicPr>
+            <a:picLocks noChangeAspect="1" noChangeArrowheads="1"/>
+          </p:cNvPicPr>
+          <p:nvPr/>
+        </p:nvPicPr>
+        <p:blipFill>
+          <a:blip r:embed="rId3" cstate="print"/>
+          <a:srcRect/>
+          <a:stretch>
+            <a:fillRect/>
+          </a:stretch>
+        </p:blipFill>
+        <p:spPr bwMode="auto">
+          <a:xfrm>
+            <a:off x="4572000" y="3573016"/>
+            <a:ext cx="3744416" cy="3102942"/>
+          </a:xfrm>
+          <a:prstGeom prst="rect">
+            <a:avLst/>
+          </a:prstGeom>
+          <a:noFill/>
+          <a:ln w="9525">
+            <a:noFill/>
+            <a:miter lim="800000"/>
+            <a:headEnd/>
+            <a:tailEnd/>
+          </a:ln>
+        </p:spPr>
+      </p:pic>
+    </p:spTree>
+  </p:cSld>
+  <p:clrMapOvr>
+    <a:masterClrMapping/>
+  </p:clrMapOvr>
+</p:sld>
+</file>
+
+<file path=ppt/slides/slide4.xml><?xml version="1.0" encoding="utf-8"?>
+<p:sld xmlns:a="http://schemas.openxmlformats.org/drawingml/2006/main" xmlns:r="http://schemas.openxmlformats.org/officeDocument/2006/relationships" xmlns:p="http://schemas.openxmlformats.org/presentationml/2006/main">
+  <p:cSld>
+    <p:spTree>
+      <p:nvGrpSpPr>
+        <p:cNvPr id="1" name=""/>
+        <p:cNvGrpSpPr/>
+        <p:nvPr/>
+      </p:nvGrpSpPr>
+      <p:grpSpPr>
+        <a:xfrm>
+          <a:off x="0" y="0"/>
+          <a:ext cx="0" cy="0"/>
+          <a:chOff x="0" y="0"/>
+          <a:chExt cx="0" cy="0"/>
+        </a:xfrm>
+      </p:grpSpPr>
+      <p:sp>
+        <p:nvSpPr>
+          <p:cNvPr id="2" name="Заголовок 1"/>
+          <p:cNvSpPr>
+            <a:spLocks noGrp="1"/>
+          </p:cNvSpPr>
+          <p:nvPr>
+            <p:ph type="title"/>
+          </p:nvPr>
+        </p:nvSpPr>
+        <p:spPr/>
+        <p:txBody>
+          <a:bodyPr/>
+          <a:lstStyle/>
+          <a:p>
+            <a:r>
+              <a:rPr lang="ru-RU" dirty="0" smtClean="0"/>
+              <a:t>Рабочее место</a:t>
+            </a:r>
+            <a:endParaRPr lang="ru-RU" dirty="0"/>
+          </a:p>
+        </p:txBody>
+      </p:sp>
+      <p:sp>
+        <p:nvSpPr>
+          <p:cNvPr id="5" name="TextBox 4"/>
+          <p:cNvSpPr txBox="1"/>
+          <p:nvPr/>
+        </p:nvSpPr>
+        <p:spPr>
+          <a:xfrm>
+            <a:off x="467544" y="4509120"/>
+            <a:ext cx="2664296" cy="369332"/>
+          </a:xfrm>
+          <a:prstGeom prst="rect">
+            <a:avLst/>
+          </a:prstGeom>
+          <a:noFill/>
+        </p:spPr>
+        <p:txBody>
+          <a:bodyPr wrap="square" rtlCol="0">
+            <a:spAutoFit/>
+          </a:bodyPr>
+          <a:lstStyle/>
+          <a:p>
+            <a:r>
+              <a:rPr lang="ru-RU" dirty="0" smtClean="0"/>
+              <a:t>Фото рабочего места</a:t>
+            </a:r>
+            <a:endParaRPr lang="ru-RU" dirty="0"/>
+          </a:p>
+        </p:txBody>
+      </p:sp>
+      <p:sp>
+        <p:nvSpPr>
+          <p:cNvPr id="6" name="TextBox 5"/>
+          <p:cNvSpPr txBox="1"/>
+          <p:nvPr/>
+        </p:nvSpPr>
+        <p:spPr>
+          <a:xfrm>
+            <a:off x="4860032" y="1340768"/>
+            <a:ext cx="3096344" cy="646331"/>
+          </a:xfrm>
+          <a:prstGeom prst="rect">
+            <a:avLst/>
+          </a:prstGeom>
+          <a:noFill/>
+        </p:spPr>
+        <p:txBody>
+          <a:bodyPr wrap="square" rtlCol="0">
+            <a:spAutoFit/>
+          </a:bodyPr>
+          <a:lstStyle/>
+          <a:p>
+            <a:r>
+              <a:rPr lang="ru-RU" dirty="0" smtClean="0"/>
+              <a:t>Характеристики компьютера:</a:t>
+            </a:r>
+          </a:p>
+        </p:txBody>
+      </p:sp>
+      <p:sp>
+        <p:nvSpPr>
+          <p:cNvPr id="7" name="TextBox 6"/>
+          <p:cNvSpPr txBox="1"/>
+          <p:nvPr/>
+        </p:nvSpPr>
+        <p:spPr>
+          <a:xfrm>
+            <a:off x="4860032" y="1988840"/>
+            <a:ext cx="3672408" cy="1477328"/>
+          </a:xfrm>
+          <a:prstGeom prst="rect">
+            <a:avLst/>
+          </a:prstGeom>
+          <a:noFill/>
+        </p:spPr>
+        <p:txBody>
+          <a:bodyPr wrap="square" rtlCol="0">
+            <a:spAutoFit/>
+          </a:bodyPr>
+          <a:lstStyle/>
+          <a:p>
+            <a:pPr>
+              <a:buFont typeface="Arial" pitchFamily="34" charset="0"/>
+              <a:buChar char="•"/>
+            </a:pPr>
+            <a:r>
+              <a:rPr lang="ru-RU" dirty="0" smtClean="0"/>
+              <a:t>Процессор: </a:t>
+            </a:r>
+            <a:r>
+              <a:rPr lang="en-US" dirty="0" err="1" smtClean="0"/>
+              <a:t>i</a:t>
+            </a:r>
+            <a:r>
+              <a:rPr lang="ru-RU" dirty="0" smtClean="0"/>
+              <a:t>5</a:t>
+            </a:r>
+            <a:r>
+              <a:rPr lang="en-US" dirty="0" smtClean="0"/>
+              <a:t>-</a:t>
+            </a:r>
+            <a:r>
+              <a:rPr lang="ru-RU" dirty="0" smtClean="0"/>
+              <a:t>104</a:t>
+            </a:r>
+            <a:r>
+              <a:rPr lang="en-US" dirty="0" smtClean="0"/>
+              <a:t>00</a:t>
+            </a:r>
+            <a:endParaRPr lang="ru-RU" dirty="0" smtClean="0"/>
+          </a:p>
+          <a:p>
+            <a:pPr>
+              <a:buFont typeface="Arial" pitchFamily="34" charset="0"/>
+              <a:buChar char="•"/>
+            </a:pPr>
+            <a:r>
+              <a:rPr lang="ru-RU" dirty="0" smtClean="0"/>
+              <a:t>Видеокарта: </a:t>
+            </a:r>
+            <a:r>
+              <a:rPr lang="en-US" dirty="0" smtClean="0"/>
+              <a:t>RTX 3050</a:t>
+            </a:r>
+            <a:endParaRPr lang="ru-RU" dirty="0" smtClean="0"/>
+          </a:p>
+          <a:p>
+            <a:pPr>
+              <a:buFont typeface="Arial" pitchFamily="34" charset="0"/>
+              <a:buChar char="•"/>
+            </a:pPr>
+            <a:r>
+              <a:rPr lang="ru-RU" dirty="0" smtClean="0"/>
+              <a:t>ОЗУ:</a:t>
+            </a:r>
+            <a:r>
+              <a:rPr lang="en-US" dirty="0" smtClean="0"/>
+              <a:t> 16Gb</a:t>
+            </a:r>
+            <a:endParaRPr lang="ru-RU" dirty="0" smtClean="0"/>
+          </a:p>
+          <a:p>
+            <a:pPr>
+              <a:buFont typeface="Arial" pitchFamily="34" charset="0"/>
+              <a:buChar char="•"/>
+            </a:pPr>
+            <a:r>
+              <a:rPr lang="ru-RU" dirty="0" smtClean="0"/>
+              <a:t>Память:</a:t>
+            </a:r>
+            <a:r>
+              <a:rPr lang="en-US" dirty="0" smtClean="0"/>
+              <a:t> 3TB</a:t>
+            </a:r>
+          </a:p>
+          <a:p>
+            <a:pPr>
+              <a:buFont typeface="Arial" pitchFamily="34" charset="0"/>
+              <a:buChar char="•"/>
+            </a:pPr>
+            <a:r>
+              <a:rPr lang="ru-RU" dirty="0" smtClean="0"/>
+              <a:t>Установлена </a:t>
+            </a:r>
+            <a:r>
+              <a:rPr lang="en-US" dirty="0" smtClean="0"/>
+              <a:t>Windows 11</a:t>
+            </a:r>
+            <a:endParaRPr lang="ru-RU" dirty="0" smtClean="0"/>
+          </a:p>
+        </p:txBody>
+      </p:sp>
+      <p:sp>
+        <p:nvSpPr>
+          <p:cNvPr id="8" name="TextBox 7"/>
+          <p:cNvSpPr txBox="1"/>
+          <p:nvPr/>
+        </p:nvSpPr>
+        <p:spPr>
+          <a:xfrm>
+            <a:off x="4932040" y="3717032"/>
+            <a:ext cx="2448272" cy="369332"/>
+          </a:xfrm>
+          <a:prstGeom prst="rect">
+            <a:avLst/>
+          </a:prstGeom>
+          <a:noFill/>
+        </p:spPr>
+        <p:txBody>
+          <a:bodyPr wrap="square" rtlCol="0">
+            <a:spAutoFit/>
+          </a:bodyPr>
+          <a:lstStyle/>
+          <a:p>
+            <a:r>
+              <a:rPr lang="ru-RU" dirty="0" smtClean="0"/>
+              <a:t>Переферия:</a:t>
+            </a:r>
+            <a:endParaRPr lang="ru-RU" dirty="0"/>
+          </a:p>
+        </p:txBody>
+      </p:sp>
+      <p:sp>
+        <p:nvSpPr>
+          <p:cNvPr id="9" name="TextBox 8"/>
+          <p:cNvSpPr txBox="1"/>
+          <p:nvPr/>
+        </p:nvSpPr>
+        <p:spPr>
+          <a:xfrm>
+            <a:off x="4860032" y="4149080"/>
+            <a:ext cx="3096344" cy="923330"/>
+          </a:xfrm>
+          <a:prstGeom prst="rect">
+            <a:avLst/>
+          </a:prstGeom>
+          <a:noFill/>
+        </p:spPr>
+        <p:txBody>
+          <a:bodyPr wrap="square" rtlCol="0">
+            <a:spAutoFit/>
+          </a:bodyPr>
+          <a:lstStyle/>
+          <a:p>
+            <a:pPr>
+              <a:buFont typeface="Arial" pitchFamily="34" charset="0"/>
+              <a:buChar char="•"/>
+            </a:pPr>
+            <a:r>
+              <a:rPr lang="ru-RU" dirty="0" smtClean="0"/>
+              <a:t>Монитор: </a:t>
+            </a:r>
+            <a:r>
+              <a:rPr lang="en-US" dirty="0" smtClean="0"/>
+              <a:t>BENQ</a:t>
+            </a:r>
+            <a:endParaRPr lang="ru-RU" dirty="0" smtClean="0"/>
+          </a:p>
+          <a:p>
+            <a:pPr>
+              <a:buFont typeface="Arial" pitchFamily="34" charset="0"/>
+              <a:buChar char="•"/>
+            </a:pPr>
+            <a:r>
+              <a:rPr lang="ru-RU" dirty="0" smtClean="0"/>
+              <a:t>Мышь:</a:t>
+            </a:r>
+            <a:r>
+              <a:rPr lang="en-US" dirty="0" smtClean="0"/>
+              <a:t> Logitech</a:t>
+            </a:r>
+            <a:endParaRPr lang="ru-RU" dirty="0" smtClean="0"/>
+          </a:p>
+          <a:p>
+            <a:pPr>
+              <a:buFont typeface="Arial" pitchFamily="34" charset="0"/>
+              <a:buChar char="•"/>
+            </a:pPr>
+            <a:r>
+              <a:rPr lang="ru-RU" dirty="0" smtClean="0"/>
+              <a:t>Клавиатура:</a:t>
+            </a:r>
+            <a:r>
+              <a:rPr lang="en-US" dirty="0" smtClean="0"/>
+              <a:t> Genius</a:t>
+            </a:r>
+            <a:endParaRPr lang="ru-RU" dirty="0"/>
+          </a:p>
+        </p:txBody>
+      </p:sp>
+      <p:pic>
+        <p:nvPicPr>
+          <p:cNvPr id="3" name="Рисунок 2"/>
+          <p:cNvPicPr>
+            <a:picLocks noChangeAspect="1"/>
+          </p:cNvPicPr>
+          <p:nvPr/>
+        </p:nvPicPr>
+        <p:blipFill rotWithShape="1">
+          <a:blip r:embed="rId2" cstate="print">
+            <a:extLst>
+              <a:ext uri="{28A0092B-C50C-407E-A947-70E740481C1C}">
+                <a14:useLocalDpi xmlns:a14="http://schemas.microsoft.com/office/drawing/2010/main" val="0"/>
+              </a:ext>
+            </a:extLst>
+          </a:blip>
+          <a:srcRect t="19021"/>
+          <a:stretch/>
+        </p:blipFill>
+        <p:spPr>
+          <a:xfrm>
+            <a:off x="425624" y="1417638"/>
+            <a:ext cx="3064773" cy="3033990"/>
+          </a:xfrm>
+          <a:prstGeom prst="rect">
+            <a:avLst/>
+          </a:prstGeom>
+        </p:spPr>
+      </p:pic>
+    </p:spTree>
+  </p:cSld>
+  <p:clrMapOvr>
+    <a:masterClrMapping/>
+  </p:clrMapOvr>
+</p:sld>
+</file>
+
+<file path=ppt/slides/slide5.xml><?xml version="1.0" encoding="utf-8"?>
+<p:sld xmlns:a="http://schemas.openxmlformats.org/drawingml/2006/main" xmlns:r="http://schemas.openxmlformats.org/officeDocument/2006/relationships" xmlns:p="http://schemas.openxmlformats.org/presentationml/2006/main">
+  <p:cSld>
+    <p:spTree>
+      <p:nvGrpSpPr>
+        <p:cNvPr id="1" name=""/>
+        <p:cNvGrpSpPr/>
+        <p:nvPr/>
+      </p:nvGrpSpPr>
+      <p:grpSpPr>
+        <a:xfrm>
+          <a:off x="0" y="0"/>
+          <a:ext cx="0" cy="0"/>
+          <a:chOff x="0" y="0"/>
+          <a:chExt cx="0" cy="0"/>
+        </a:xfrm>
+      </p:grpSpPr>
+      <p:sp>
+        <p:nvSpPr>
+          <p:cNvPr id="2" name="Заголовок 1"/>
+          <p:cNvSpPr>
+            <a:spLocks noGrp="1"/>
+          </p:cNvSpPr>
+          <p:nvPr>
+            <p:ph type="title"/>
+          </p:nvPr>
+        </p:nvSpPr>
+        <p:spPr/>
+        <p:txBody>
+          <a:bodyPr/>
+          <a:lstStyle/>
+          <a:p>
+            <a:r>
+              <a:rPr lang="ru-RU" dirty="0" smtClean="0"/>
+              <a:t>Риски практики</a:t>
+            </a:r>
+            <a:endParaRPr lang="ru-RU" dirty="0"/>
+          </a:p>
+        </p:txBody>
+      </p:sp>
+      <p:sp>
+        <p:nvSpPr>
+          <p:cNvPr id="3" name="Содержимое 2"/>
+          <p:cNvSpPr>
+            <a:spLocks noGrp="1"/>
+          </p:cNvSpPr>
+          <p:nvPr>
+            <p:ph idx="1"/>
+          </p:nvPr>
+        </p:nvSpPr>
+        <p:spPr>
+          <a:xfrm>
+            <a:off x="467544" y="2564904"/>
+            <a:ext cx="6480720" cy="3528392"/>
+          </a:xfrm>
+        </p:spPr>
+        <p:txBody>
+          <a:bodyPr>
+            <a:normAutofit lnSpcReduction="10000"/>
+          </a:bodyPr>
+          <a:lstStyle/>
+          <a:p>
+            <a:pPr algn="just"/>
+            <a:r>
+              <a:rPr lang="ru-RU" dirty="0" smtClean="0"/>
+              <a:t>Во время прохождения практики в КОГОПБУ СКПиСО возникли риски при работе с приложением </a:t>
+            </a:r>
+            <a:r>
+              <a:rPr lang="en-US" dirty="0" smtClean="0"/>
+              <a:t>“Visual Studio”</a:t>
+            </a:r>
+            <a:r>
+              <a:rPr lang="ru-RU" dirty="0" smtClean="0"/>
+              <a:t>. Не было</a:t>
+            </a:r>
+            <a:r>
+              <a:rPr lang="en-US" dirty="0" smtClean="0"/>
+              <a:t> </a:t>
+            </a:r>
+            <a:r>
+              <a:rPr lang="ru-RU" dirty="0" smtClean="0"/>
+              <a:t>необходимых библиотек, и мне пришлось устанавливать их для продолжения работы в данной программы. </a:t>
+            </a:r>
+          </a:p>
+        </p:txBody>
+      </p:sp>
+      <p:pic>
+        <p:nvPicPr>
+          <p:cNvPr id="4099" name="Picture 3"/>
+          <p:cNvPicPr>
+            <a:picLocks noChangeAspect="1" noChangeArrowheads="1"/>
+          </p:cNvPicPr>
+          <p:nvPr/>
+        </p:nvPicPr>
+        <p:blipFill>
+          <a:blip r:embed="rId2" cstate="print"/>
+          <a:srcRect/>
+          <a:stretch>
+            <a:fillRect/>
+          </a:stretch>
+        </p:blipFill>
+        <p:spPr bwMode="auto">
+          <a:xfrm>
+            <a:off x="3635897" y="1484784"/>
+            <a:ext cx="1412826" cy="864096"/>
+          </a:xfrm>
+          <a:prstGeom prst="rect">
+            <a:avLst/>
+          </a:prstGeom>
+          <a:noFill/>
+          <a:ln w="9525">
+            <a:noFill/>
+            <a:miter lim="800000"/>
+            <a:headEnd/>
+            <a:tailEnd/>
+          </a:ln>
+        </p:spPr>
+      </p:pic>
+    </p:spTree>
+  </p:cSld>
+  <p:clrMapOvr>
+    <a:masterClrMapping/>
+  </p:clrMapOvr>
+</p:sld>
+</file>
+
+<file path=ppt/slides/slide6.xml><?xml version="1.0" encoding="utf-8"?>
+<p:sld xmlns:a="http://schemas.openxmlformats.org/drawingml/2006/main" xmlns:r="http://schemas.openxmlformats.org/officeDocument/2006/relationships" xmlns:p="http://schemas.openxmlformats.org/presentationml/2006/main">
+  <p:cSld>
+    <p:spTree>
+      <p:nvGrpSpPr>
+        <p:cNvPr id="1" name=""/>
+        <p:cNvGrpSpPr/>
+        <p:nvPr/>
+      </p:nvGrpSpPr>
+      <p:grpSpPr>
+        <a:xfrm>
+          <a:off x="0" y="0"/>
+          <a:ext cx="0" cy="0"/>
+          <a:chOff x="0" y="0"/>
+          <a:chExt cx="0" cy="0"/>
+        </a:xfrm>
+      </p:grpSpPr>
+      <p:sp>
+        <p:nvSpPr>
+          <p:cNvPr id="2" name="Заголовок 1"/>
+          <p:cNvSpPr>
+            <a:spLocks noGrp="1"/>
+          </p:cNvSpPr>
+          <p:nvPr>
+            <p:ph type="title"/>
+          </p:nvPr>
+        </p:nvSpPr>
+        <p:spPr/>
+        <p:txBody>
+          <a:bodyPr>
+            <a:normAutofit fontScale="90000"/>
+          </a:bodyPr>
+          <a:lstStyle/>
+          <a:p>
+            <a:r>
+              <a:rPr lang="en-US" dirty="0" smtClean="0"/>
+              <a:t>GitHub </a:t>
+            </a:r>
+            <a:r>
+              <a:rPr lang="ru-RU" dirty="0" smtClean="0"/>
+              <a:t>работа с программой контроля версий </a:t>
+            </a:r>
+            <a:endParaRPr lang="ru-RU" dirty="0"/>
+          </a:p>
+        </p:txBody>
+      </p:sp>
+      <p:sp>
+        <p:nvSpPr>
+          <p:cNvPr id="3" name="Содержимое 2"/>
+          <p:cNvSpPr>
+            <a:spLocks noGrp="1"/>
+          </p:cNvSpPr>
+          <p:nvPr>
+            <p:ph idx="1"/>
+          </p:nvPr>
+        </p:nvSpPr>
+        <p:spPr>
+          <a:xfrm>
+            <a:off x="433611" y="1669666"/>
+            <a:ext cx="8219256" cy="859234"/>
+          </a:xfrm>
+        </p:spPr>
+        <p:txBody>
+          <a:bodyPr>
+            <a:normAutofit fontScale="55000" lnSpcReduction="20000"/>
+          </a:bodyPr>
+          <a:lstStyle/>
+          <a:p>
+            <a:r>
+              <a:rPr lang="ru-RU" dirty="0"/>
+              <a:t>Я</a:t>
+            </a:r>
+            <a:r>
+              <a:rPr lang="ru-RU" dirty="0" smtClean="0"/>
+              <a:t> </a:t>
+            </a:r>
+            <a:r>
+              <a:rPr lang="ru-RU" dirty="0"/>
+              <a:t>ежедневно выгладывал новые версии или </a:t>
+            </a:r>
+            <a:r>
+              <a:rPr lang="ru-RU" dirty="0" smtClean="0"/>
+              <a:t>изменения </a:t>
+            </a:r>
+            <a:r>
+              <a:rPr lang="ru-RU" dirty="0"/>
+              <a:t>моего </a:t>
+            </a:r>
+            <a:r>
+              <a:rPr lang="ru-RU" dirty="0" smtClean="0"/>
+              <a:t>приложения</a:t>
+            </a:r>
+            <a:br>
+              <a:rPr lang="ru-RU" dirty="0" smtClean="0"/>
+            </a:br>
+            <a:r>
+              <a:rPr lang="ru-RU" dirty="0" smtClean="0"/>
+              <a:t>Ссылка на </a:t>
+            </a:r>
+            <a:r>
+              <a:rPr lang="en-US" dirty="0" smtClean="0"/>
+              <a:t>GitHub </a:t>
+            </a:r>
+            <a:r>
+              <a:rPr lang="en-US" dirty="0" smtClean="0">
+                <a:hlinkClick r:id="rId2"/>
+              </a:rPr>
+              <a:t>https://github.com/Mercik43/UchebnayaPracticaPM02/tree/3</a:t>
+            </a:r>
+            <a:endParaRPr lang="ru-RU" dirty="0" smtClean="0"/>
+          </a:p>
+        </p:txBody>
+      </p:sp>
+      <p:pic>
+        <p:nvPicPr>
+          <p:cNvPr id="1026" name="Рисунок 1"/>
+          <p:cNvPicPr>
+            <a:picLocks noChangeAspect="1" noChangeArrowheads="1"/>
+          </p:cNvPicPr>
+          <p:nvPr/>
+        </p:nvPicPr>
+        <p:blipFill>
+          <a:blip r:embed="rId3">
+            <a:extLst>
+              <a:ext uri="{28A0092B-C50C-407E-A947-70E740481C1C}">
+                <a14:useLocalDpi xmlns:a14="http://schemas.microsoft.com/office/drawing/2010/main" val="0"/>
+              </a:ext>
+            </a:extLst>
+          </a:blip>
+          <a:srcRect/>
+          <a:stretch>
+            <a:fillRect/>
+          </a:stretch>
+        </p:blipFill>
+        <p:spPr bwMode="auto">
+          <a:xfrm>
+            <a:off x="1619672" y="2780928"/>
+            <a:ext cx="6483350" cy="3712915"/>
           </a:xfrm>
           <a:prstGeom prst="rect">
             <a:avLst/>
@@ -7180,12 +7224,426 @@
               <a:srgbClr val="FFFFFF"/>
             </a:contourClr>
           </a:sp3d>
+          <a:extLst>
+            <a:ext uri="{909E8E84-426E-40DD-AFC4-6F175D3DCCD1}">
+              <a14:hiddenFill xmlns:a14="http://schemas.microsoft.com/office/drawing/2010/main">
+                <a:solidFill>
+                  <a:srgbClr val="FFFFFF"/>
+                </a:solidFill>
+              </a14:hiddenFill>
+            </a:ext>
+            <a:ext uri="{91240B29-F687-4F45-9708-019B960494DF}">
+              <a14:hiddenLine xmlns:a14="http://schemas.microsoft.com/office/drawing/2010/main" w="9525">
+                <a:solidFill>
+                  <a:srgbClr val="000000"/>
+                </a:solidFill>
+                <a:miter lim="800000"/>
+                <a:headEnd/>
+                <a:tailEnd/>
+              </a14:hiddenLine>
+            </a:ext>
+          </a:extLst>
         </p:spPr>
       </p:pic>
     </p:spTree>
     <p:extLst>
       <p:ext uri="{BB962C8B-B14F-4D97-AF65-F5344CB8AC3E}">
-        <p14:creationId xmlns:p14="http://schemas.microsoft.com/office/powerpoint/2010/main" val="1876729173"/>
+        <p14:creationId xmlns:p14="http://schemas.microsoft.com/office/powerpoint/2010/main" val="1070886213"/>
+      </p:ext>
+    </p:extLst>
+  </p:cSld>
+  <p:clrMapOvr>
+    <a:masterClrMapping/>
+  </p:clrMapOvr>
+</p:sld>
+</file>
+
+<file path=ppt/slides/slide7.xml><?xml version="1.0" encoding="utf-8"?>
+<p:sld xmlns:a="http://schemas.openxmlformats.org/drawingml/2006/main" xmlns:r="http://schemas.openxmlformats.org/officeDocument/2006/relationships" xmlns:p="http://schemas.openxmlformats.org/presentationml/2006/main">
+  <p:cSld>
+    <p:spTree>
+      <p:nvGrpSpPr>
+        <p:cNvPr id="1" name=""/>
+        <p:cNvGrpSpPr/>
+        <p:nvPr/>
+      </p:nvGrpSpPr>
+      <p:grpSpPr>
+        <a:xfrm>
+          <a:off x="0" y="0"/>
+          <a:ext cx="0" cy="0"/>
+          <a:chOff x="0" y="0"/>
+          <a:chExt cx="0" cy="0"/>
+        </a:xfrm>
+      </p:grpSpPr>
+      <p:sp>
+        <p:nvSpPr>
+          <p:cNvPr id="2" name="Заголовок 1"/>
+          <p:cNvSpPr>
+            <a:spLocks noGrp="1"/>
+          </p:cNvSpPr>
+          <p:nvPr>
+            <p:ph type="title"/>
+          </p:nvPr>
+        </p:nvSpPr>
+        <p:spPr/>
+        <p:txBody>
+          <a:bodyPr/>
+          <a:lstStyle/>
+          <a:p>
+            <a:r>
+              <a:rPr lang="en-US" dirty="0" smtClean="0"/>
+              <a:t>UML </a:t>
+            </a:r>
+            <a:r>
+              <a:rPr lang="ru-RU" dirty="0" smtClean="0"/>
+              <a:t>Диаграммы </a:t>
+            </a:r>
+            <a:endParaRPr lang="ru-RU" dirty="0"/>
+          </a:p>
+        </p:txBody>
+      </p:sp>
+      <p:sp>
+        <p:nvSpPr>
+          <p:cNvPr id="3" name="Содержимое 2"/>
+          <p:cNvSpPr>
+            <a:spLocks noGrp="1"/>
+          </p:cNvSpPr>
+          <p:nvPr>
+            <p:ph idx="1"/>
+          </p:nvPr>
+        </p:nvSpPr>
+        <p:spPr/>
+        <p:txBody>
+          <a:bodyPr/>
+          <a:lstStyle/>
+          <a:p>
+            <a:r>
+              <a:rPr lang="ru-RU" dirty="0" smtClean="0"/>
+              <a:t>Диаграмма вариантов использования</a:t>
+            </a:r>
+            <a:endParaRPr lang="ru-RU" dirty="0"/>
+          </a:p>
+        </p:txBody>
+      </p:sp>
+      <p:pic>
+        <p:nvPicPr>
+          <p:cNvPr id="4" name="Рисунок 3"/>
+          <p:cNvPicPr>
+            <a:picLocks noChangeAspect="1"/>
+          </p:cNvPicPr>
+          <p:nvPr/>
+        </p:nvPicPr>
+        <p:blipFill>
+          <a:blip r:embed="rId2"/>
+          <a:stretch>
+            <a:fillRect/>
+          </a:stretch>
+        </p:blipFill>
+        <p:spPr>
+          <a:xfrm>
+            <a:off x="1259632" y="2204864"/>
+            <a:ext cx="6872847" cy="4473175"/>
+          </a:xfrm>
+          <a:prstGeom prst="rect">
+            <a:avLst/>
+          </a:prstGeom>
+          <a:solidFill>
+            <a:srgbClr val="FFFFFF">
+              <a:shade val="85000"/>
+            </a:srgbClr>
+          </a:solidFill>
+          <a:ln w="88900" cap="sq">
+            <a:solidFill>
+              <a:srgbClr val="FFFFFF"/>
+            </a:solidFill>
+            <a:miter lim="800000"/>
+          </a:ln>
+          <a:effectLst>
+            <a:outerShdw blurRad="55000" dist="18000" dir="5400000" algn="tl" rotWithShape="0">
+              <a:srgbClr val="000000">
+                <a:alpha val="40000"/>
+              </a:srgbClr>
+            </a:outerShdw>
+          </a:effectLst>
+          <a:scene3d>
+            <a:camera prst="orthographicFront"/>
+            <a:lightRig rig="twoPt" dir="t">
+              <a:rot lat="0" lon="0" rev="7200000"/>
+            </a:lightRig>
+          </a:scene3d>
+          <a:sp3d>
+            <a:bevelT w="25400" h="19050"/>
+            <a:contourClr>
+              <a:srgbClr val="FFFFFF"/>
+            </a:contourClr>
+          </a:sp3d>
+        </p:spPr>
+      </p:pic>
+    </p:spTree>
+  </p:cSld>
+  <p:clrMapOvr>
+    <a:masterClrMapping/>
+  </p:clrMapOvr>
+</p:sld>
+</file>
+
+<file path=ppt/slides/slide8.xml><?xml version="1.0" encoding="utf-8"?>
+<p:sld xmlns:a="http://schemas.openxmlformats.org/drawingml/2006/main" xmlns:r="http://schemas.openxmlformats.org/officeDocument/2006/relationships" xmlns:p="http://schemas.openxmlformats.org/presentationml/2006/main">
+  <p:cSld>
+    <p:spTree>
+      <p:nvGrpSpPr>
+        <p:cNvPr id="1" name=""/>
+        <p:cNvGrpSpPr/>
+        <p:nvPr/>
+      </p:nvGrpSpPr>
+      <p:grpSpPr>
+        <a:xfrm>
+          <a:off x="0" y="0"/>
+          <a:ext cx="0" cy="0"/>
+          <a:chOff x="0" y="0"/>
+          <a:chExt cx="0" cy="0"/>
+        </a:xfrm>
+      </p:grpSpPr>
+      <p:sp>
+        <p:nvSpPr>
+          <p:cNvPr id="2" name="Заголовок 1"/>
+          <p:cNvSpPr>
+            <a:spLocks noGrp="1"/>
+          </p:cNvSpPr>
+          <p:nvPr>
+            <p:ph type="title"/>
+          </p:nvPr>
+        </p:nvSpPr>
+        <p:spPr/>
+        <p:txBody>
+          <a:bodyPr/>
+          <a:lstStyle/>
+          <a:p>
+            <a:r>
+              <a:rPr lang="en-US" dirty="0" smtClean="0"/>
+              <a:t>UML </a:t>
+            </a:r>
+            <a:r>
+              <a:rPr lang="ru-RU" dirty="0" smtClean="0"/>
+              <a:t>Диаграммы </a:t>
+            </a:r>
+            <a:endParaRPr lang="ru-RU" dirty="0"/>
+          </a:p>
+        </p:txBody>
+      </p:sp>
+      <p:sp>
+        <p:nvSpPr>
+          <p:cNvPr id="3" name="Содержимое 2"/>
+          <p:cNvSpPr>
+            <a:spLocks noGrp="1"/>
+          </p:cNvSpPr>
+          <p:nvPr>
+            <p:ph idx="1"/>
+          </p:nvPr>
+        </p:nvSpPr>
+        <p:spPr/>
+        <p:txBody>
+          <a:bodyPr/>
+          <a:lstStyle/>
+          <a:p>
+            <a:r>
+              <a:rPr lang="ru-RU" dirty="0"/>
+              <a:t>Диаграмма последовательности</a:t>
+            </a:r>
+          </a:p>
+        </p:txBody>
+      </p:sp>
+      <p:pic>
+        <p:nvPicPr>
+          <p:cNvPr id="6" name="Рисунок 5"/>
+          <p:cNvPicPr>
+            <a:picLocks noChangeAspect="1"/>
+          </p:cNvPicPr>
+          <p:nvPr/>
+        </p:nvPicPr>
+        <p:blipFill>
+          <a:blip r:embed="rId2"/>
+          <a:stretch>
+            <a:fillRect/>
+          </a:stretch>
+        </p:blipFill>
+        <p:spPr>
+          <a:xfrm>
+            <a:off x="1652587" y="2204864"/>
+            <a:ext cx="5076825" cy="4171950"/>
+          </a:xfrm>
+          <a:prstGeom prst="rect">
+            <a:avLst/>
+          </a:prstGeom>
+          <a:solidFill>
+            <a:srgbClr val="FFFFFF">
+              <a:shade val="85000"/>
+            </a:srgbClr>
+          </a:solidFill>
+          <a:ln w="88900" cap="sq">
+            <a:solidFill>
+              <a:srgbClr val="FFFFFF"/>
+            </a:solidFill>
+            <a:miter lim="800000"/>
+          </a:ln>
+          <a:effectLst>
+            <a:outerShdw blurRad="55000" dist="18000" dir="5400000" algn="tl" rotWithShape="0">
+              <a:srgbClr val="000000">
+                <a:alpha val="40000"/>
+              </a:srgbClr>
+            </a:outerShdw>
+          </a:effectLst>
+          <a:scene3d>
+            <a:camera prst="orthographicFront"/>
+            <a:lightRig rig="twoPt" dir="t">
+              <a:rot lat="0" lon="0" rev="7200000"/>
+            </a:lightRig>
+          </a:scene3d>
+          <a:sp3d>
+            <a:bevelT w="25400" h="19050"/>
+            <a:contourClr>
+              <a:srgbClr val="FFFFFF"/>
+            </a:contourClr>
+          </a:sp3d>
+        </p:spPr>
+      </p:pic>
+    </p:spTree>
+    <p:extLst>
+      <p:ext uri="{BB962C8B-B14F-4D97-AF65-F5344CB8AC3E}">
+        <p14:creationId xmlns:p14="http://schemas.microsoft.com/office/powerpoint/2010/main" val="946261003"/>
+      </p:ext>
+    </p:extLst>
+  </p:cSld>
+  <p:clrMapOvr>
+    <a:masterClrMapping/>
+  </p:clrMapOvr>
+</p:sld>
+</file>
+
+<file path=ppt/slides/slide9.xml><?xml version="1.0" encoding="utf-8"?>
+<p:sld xmlns:a="http://schemas.openxmlformats.org/drawingml/2006/main" xmlns:r="http://schemas.openxmlformats.org/officeDocument/2006/relationships" xmlns:p="http://schemas.openxmlformats.org/presentationml/2006/main">
+  <p:cSld>
+    <p:spTree>
+      <p:nvGrpSpPr>
+        <p:cNvPr id="1" name=""/>
+        <p:cNvGrpSpPr/>
+        <p:nvPr/>
+      </p:nvGrpSpPr>
+      <p:grpSpPr>
+        <a:xfrm>
+          <a:off x="0" y="0"/>
+          <a:ext cx="0" cy="0"/>
+          <a:chOff x="0" y="0"/>
+          <a:chExt cx="0" cy="0"/>
+        </a:xfrm>
+      </p:grpSpPr>
+      <p:sp>
+        <p:nvSpPr>
+          <p:cNvPr id="2" name="Заголовок 1"/>
+          <p:cNvSpPr>
+            <a:spLocks noGrp="1"/>
+          </p:cNvSpPr>
+          <p:nvPr>
+            <p:ph type="title"/>
+          </p:nvPr>
+        </p:nvSpPr>
+        <p:spPr/>
+        <p:txBody>
+          <a:bodyPr/>
+          <a:lstStyle/>
+          <a:p>
+            <a:r>
+              <a:rPr lang="en-US" dirty="0" smtClean="0"/>
+              <a:t>UML </a:t>
+            </a:r>
+            <a:r>
+              <a:rPr lang="ru-RU" dirty="0" smtClean="0"/>
+              <a:t>Диаграммы </a:t>
+            </a:r>
+            <a:endParaRPr lang="ru-RU" dirty="0"/>
+          </a:p>
+        </p:txBody>
+      </p:sp>
+      <p:sp>
+        <p:nvSpPr>
+          <p:cNvPr id="3" name="Содержимое 2"/>
+          <p:cNvSpPr>
+            <a:spLocks noGrp="1"/>
+          </p:cNvSpPr>
+          <p:nvPr>
+            <p:ph idx="1"/>
+          </p:nvPr>
+        </p:nvSpPr>
+        <p:spPr/>
+        <p:txBody>
+          <a:bodyPr/>
+          <a:lstStyle/>
+          <a:p>
+            <a:r>
+              <a:rPr lang="ru-RU" dirty="0"/>
+              <a:t>Диаграмма кооперации</a:t>
+            </a:r>
+          </a:p>
+        </p:txBody>
+      </p:sp>
+      <p:pic>
+        <p:nvPicPr>
+          <p:cNvPr id="4" name="Рисунок 3"/>
+          <p:cNvPicPr>
+            <a:picLocks noChangeAspect="1"/>
+          </p:cNvPicPr>
+          <p:nvPr/>
+        </p:nvPicPr>
+        <p:blipFill>
+          <a:blip r:embed="rId2"/>
+          <a:stretch>
+            <a:fillRect/>
+          </a:stretch>
+        </p:blipFill>
+        <p:spPr>
+          <a:xfrm>
+            <a:off x="464021" y="2348880"/>
+            <a:ext cx="7784547" cy="3438079"/>
+          </a:xfrm>
+          <a:prstGeom prst="rect">
+            <a:avLst/>
+          </a:prstGeom>
+          <a:solidFill>
+            <a:srgbClr val="FFFFFF">
+              <a:shade val="85000"/>
+            </a:srgbClr>
+          </a:solidFill>
+          <a:ln w="88900" cap="sq">
+            <a:solidFill>
+              <a:srgbClr val="FFFFFF"/>
+            </a:solidFill>
+            <a:miter lim="800000"/>
+          </a:ln>
+          <a:effectLst>
+            <a:outerShdw blurRad="55000" dist="18000" dir="5400000" algn="tl" rotWithShape="0">
+              <a:srgbClr val="000000">
+                <a:alpha val="40000"/>
+              </a:srgbClr>
+            </a:outerShdw>
+          </a:effectLst>
+          <a:scene3d>
+            <a:camera prst="orthographicFront"/>
+            <a:lightRig rig="twoPt" dir="t">
+              <a:rot lat="0" lon="0" rev="7200000"/>
+            </a:lightRig>
+          </a:scene3d>
+          <a:sp3d>
+            <a:bevelT w="25400" h="19050"/>
+            <a:contourClr>
+              <a:srgbClr val="FFFFFF"/>
+            </a:contourClr>
+          </a:sp3d>
+        </p:spPr>
+      </p:pic>
+    </p:spTree>
+    <p:extLst>
+      <p:ext uri="{BB962C8B-B14F-4D97-AF65-F5344CB8AC3E}">
+        <p14:creationId xmlns:p14="http://schemas.microsoft.com/office/powerpoint/2010/main" val="2688583943"/>
       </p:ext>
     </p:extLst>
   </p:cSld>
